--- a/RNN 순환 신경망.pptx
+++ b/RNN 순환 신경망.pptx
@@ -5,10 +5,10 @@
     <p:sldMasterId id="2147483708" r:id="rId1"/>
   </p:sldMasterIdLst>
   <p:notesMasterIdLst>
-    <p:notesMasterId r:id="rId20"/>
+    <p:notesMasterId r:id="rId31"/>
   </p:notesMasterIdLst>
   <p:handoutMasterIdLst>
-    <p:handoutMasterId r:id="rId21"/>
+    <p:handoutMasterId r:id="rId32"/>
   </p:handoutMasterIdLst>
   <p:sldIdLst>
     <p:sldId id="256" r:id="rId2"/>
@@ -27,8 +27,19 @@
     <p:sldId id="271" r:id="rId15"/>
     <p:sldId id="270" r:id="rId16"/>
     <p:sldId id="272" r:id="rId17"/>
-    <p:sldId id="273" r:id="rId18"/>
-    <p:sldId id="274" r:id="rId19"/>
+    <p:sldId id="274" r:id="rId18"/>
+    <p:sldId id="276" r:id="rId19"/>
+    <p:sldId id="275" r:id="rId20"/>
+    <p:sldId id="277" r:id="rId21"/>
+    <p:sldId id="278" r:id="rId22"/>
+    <p:sldId id="279" r:id="rId23"/>
+    <p:sldId id="280" r:id="rId24"/>
+    <p:sldId id="281" r:id="rId25"/>
+    <p:sldId id="282" r:id="rId26"/>
+    <p:sldId id="283" r:id="rId27"/>
+    <p:sldId id="284" r:id="rId28"/>
+    <p:sldId id="285" r:id="rId29"/>
+    <p:sldId id="286" r:id="rId30"/>
   </p:sldIdLst>
   <p:sldSz cx="12192000" cy="6858000"/>
   <p:notesSz cx="6858000" cy="9144000"/>
@@ -127,6 +138,11 @@
       </a:defRPr>
     </a:lvl9pPr>
   </p:defaultTextStyle>
+  <p:extLst>
+    <p:ext uri="{EFAFB233-063F-42B5-8137-9DF3F51BA10A}">
+      <p15:sldGuideLst xmlns:p15="http://schemas.microsoft.com/office/powerpoint/2012/main"/>
+    </p:ext>
+  </p:extLst>
 </p:presentation>
 </file>
 
@@ -881,7 +897,12 @@
             <p:ph type="sldNum" sz="quarter" idx="12"/>
           </p:nvPr>
         </p:nvSpPr>
-        <p:spPr/>
+        <p:spPr>
+          <a:xfrm>
+            <a:off x="11087958" y="6422853"/>
+            <a:ext cx="946264" cy="365125"/>
+          </a:xfrm>
+        </p:spPr>
         <p:txBody>
           <a:bodyPr/>
           <a:lstStyle/>
@@ -890,7 +911,42 @@
               <a:rPr lang="ko-KR" altLang="en-US" smtClean="0"/>
               <a:t>‹#›</a:t>
             </a:fld>
-            <a:endParaRPr lang="ko-KR" altLang="en-US"/>
+            <a:endParaRPr lang="ko-KR" altLang="en-US" dirty="0"/>
+          </a:p>
+        </p:txBody>
+      </p:sp>
+      <p:sp>
+        <p:nvSpPr>
+          <p:cNvPr id="8" name="TextBox 7">
+            <a:extLst>
+              <a:ext uri="{FF2B5EF4-FFF2-40B4-BE49-F238E27FC236}">
+                <a16:creationId xmlns:a16="http://schemas.microsoft.com/office/drawing/2014/main" id="{37BF8B13-5A86-0121-6352-1D5A451A9F77}"/>
+              </a:ext>
+            </a:extLst>
+          </p:cNvPr>
+          <p:cNvSpPr txBox="1"/>
+          <p:nvPr userDrawn="1"/>
+        </p:nvSpPr>
+        <p:spPr>
+          <a:xfrm>
+            <a:off x="11351351" y="6444908"/>
+            <a:ext cx="705662" cy="276999"/>
+          </a:xfrm>
+          <a:prstGeom prst="rect">
+            <a:avLst/>
+          </a:prstGeom>
+          <a:noFill/>
+        </p:spPr>
+        <p:txBody>
+          <a:bodyPr wrap="square" rtlCol="0">
+            <a:spAutoFit/>
+          </a:bodyPr>
+          <a:lstStyle/>
+          <a:p>
+            <a:r>
+              <a:rPr lang="en-US" altLang="ko-KR" sz="1200" dirty="0"/>
+              <a:t>/29</a:t>
+            </a:r>
           </a:p>
         </p:txBody>
       </p:sp>
@@ -1454,16 +1510,61 @@
             <p:ph type="sldNum" sz="quarter" idx="12"/>
           </p:nvPr>
         </p:nvSpPr>
-        <p:spPr/>
+        <p:spPr>
+          <a:xfrm>
+            <a:off x="11075020" y="6308434"/>
+            <a:ext cx="705662" cy="446179"/>
+          </a:xfrm>
+        </p:spPr>
         <p:txBody>
           <a:bodyPr/>
           <a:lstStyle/>
           <a:p>
             <a:fld id="{EBFA42FA-6F20-4D20-ACFC-4B4B58A69DFE}" type="slidenum">
               <a:rPr lang="ko-KR" altLang="en-US" smtClean="0"/>
+              <a:pPr/>
               <a:t>‹#›</a:t>
             </a:fld>
-            <a:endParaRPr lang="ko-KR" altLang="en-US"/>
+            <a:r>
+              <a:rPr lang="ko-KR" altLang="en-US" dirty="0"/>
+              <a:t> </a:t>
+            </a:r>
+            <a:endParaRPr lang="en-US" altLang="ko-KR" dirty="0"/>
+          </a:p>
+        </p:txBody>
+      </p:sp>
+      <p:sp>
+        <p:nvSpPr>
+          <p:cNvPr id="7" name="TextBox 6">
+            <a:extLst>
+              <a:ext uri="{FF2B5EF4-FFF2-40B4-BE49-F238E27FC236}">
+                <a16:creationId xmlns:a16="http://schemas.microsoft.com/office/drawing/2014/main" id="{39263700-CA76-6558-6A74-3A9570108379}"/>
+              </a:ext>
+            </a:extLst>
+          </p:cNvPr>
+          <p:cNvSpPr txBox="1"/>
+          <p:nvPr userDrawn="1"/>
+        </p:nvSpPr>
+        <p:spPr>
+          <a:xfrm>
+            <a:off x="11328560" y="6393025"/>
+            <a:ext cx="705662" cy="276999"/>
+          </a:xfrm>
+          <a:prstGeom prst="rect">
+            <a:avLst/>
+          </a:prstGeom>
+          <a:noFill/>
+        </p:spPr>
+        <p:txBody>
+          <a:bodyPr wrap="square" rtlCol="0">
+            <a:spAutoFit/>
+          </a:bodyPr>
+          <a:lstStyle/>
+          <a:p>
+            <a:r>
+              <a:rPr lang="en-US" altLang="ko-KR" sz="1200" dirty="0"/>
+              <a:t>/29</a:t>
+            </a:r>
           </a:p>
         </p:txBody>
       </p:sp>
@@ -4240,81 +4341,6 @@
   <p:clrMapOvr>
     <a:masterClrMapping/>
   </p:clrMapOvr>
-  <p:timing>
-    <p:tnLst>
-      <p:par>
-        <p:cTn id="1" dur="indefinite" restart="never" nodeType="tmRoot">
-          <p:childTnLst>
-            <p:seq concurrent="1" nextAc="seek">
-              <p:cTn id="2" dur="indefinite" nodeType="mainSeq">
-                <p:childTnLst>
-                  <p:par>
-                    <p:cTn id="3" fill="hold">
-                      <p:stCondLst>
-                        <p:cond delay="indefinite"/>
-                      </p:stCondLst>
-                      <p:childTnLst>
-                        <p:par>
-                          <p:cTn id="4" fill="hold">
-                            <p:stCondLst>
-                              <p:cond delay="0"/>
-                            </p:stCondLst>
-                            <p:childTnLst>
-                              <p:par>
-                                <p:cTn id="5" presetID="1" presetClass="entr" presetSubtype="0" fill="hold" nodeType="clickEffect">
-                                  <p:stCondLst>
-                                    <p:cond delay="0"/>
-                                  </p:stCondLst>
-                                  <p:childTnLst>
-                                    <p:set>
-                                      <p:cBhvr>
-                                        <p:cTn id="6" dur="1" fill="hold">
-                                          <p:stCondLst>
-                                            <p:cond delay="0"/>
-                                          </p:stCondLst>
-                                        </p:cTn>
-                                        <p:tgtEl>
-                                          <p:spTgt spid="9"/>
-                                        </p:tgtEl>
-                                        <p:attrNameLst>
-                                          <p:attrName>style.visibility</p:attrName>
-                                        </p:attrNameLst>
-                                      </p:cBhvr>
-                                      <p:to>
-                                        <p:strVal val="visible"/>
-                                      </p:to>
-                                    </p:set>
-                                  </p:childTnLst>
-                                </p:cTn>
-                              </p:par>
-                            </p:childTnLst>
-                          </p:cTn>
-                        </p:par>
-                      </p:childTnLst>
-                    </p:cTn>
-                  </p:par>
-                </p:childTnLst>
-              </p:cTn>
-              <p:prevCondLst>
-                <p:cond evt="onPrev" delay="0">
-                  <p:tgtEl>
-                    <p:sldTgt/>
-                  </p:tgtEl>
-                </p:cond>
-              </p:prevCondLst>
-              <p:nextCondLst>
-                <p:cond evt="onNext" delay="0">
-                  <p:tgtEl>
-                    <p:sldTgt/>
-                  </p:tgtEl>
-                </p:cond>
-              </p:nextCondLst>
-            </p:seq>
-          </p:childTnLst>
-        </p:cTn>
-      </p:par>
-    </p:tnLst>
-  </p:timing>
 </p:sld>
 </file>
 
@@ -5707,7 +5733,7 @@
           <p:cNvPr id="2" name="제목 1">
             <a:extLst>
               <a:ext uri="{FF2B5EF4-FFF2-40B4-BE49-F238E27FC236}">
-                <a16:creationId xmlns:a16="http://schemas.microsoft.com/office/drawing/2014/main" id="{3C59E62C-6A71-FE80-FB31-2557BCEE894F}"/>
+                <a16:creationId xmlns:a16="http://schemas.microsoft.com/office/drawing/2014/main" id="{281C5806-29C2-650D-223F-4AF798A9E138}"/>
               </a:ext>
             </a:extLst>
           </p:cNvPr>
@@ -5731,21 +5757,115 @@
           </a:p>
         </p:txBody>
       </p:sp>
+      <p:sp>
+        <p:nvSpPr>
+          <p:cNvPr id="3" name="내용 개체 틀 2">
+            <a:extLst>
+              <a:ext uri="{FF2B5EF4-FFF2-40B4-BE49-F238E27FC236}">
+                <a16:creationId xmlns:a16="http://schemas.microsoft.com/office/drawing/2014/main" id="{866D2E55-D7CF-475D-6342-B60544BB1A7E}"/>
+              </a:ext>
+            </a:extLst>
+          </p:cNvPr>
+          <p:cNvSpPr>
+            <a:spLocks noGrp="1"/>
+          </p:cNvSpPr>
+          <p:nvPr>
+            <p:ph idx="1"/>
+          </p:nvPr>
+        </p:nvSpPr>
+        <p:spPr>
+          <a:xfrm>
+            <a:off x="6989688" y="3177309"/>
+            <a:ext cx="3997311" cy="3179156"/>
+          </a:xfrm>
+        </p:spPr>
+        <p:txBody>
+          <a:bodyPr/>
+          <a:lstStyle/>
+          <a:p>
+            <a:r>
+              <a:rPr lang="en-US" altLang="ko-KR" dirty="0"/>
+              <a:t>Cell state </a:t>
+            </a:r>
+            <a:r>
+              <a:rPr lang="ko-KR" altLang="en-US" dirty="0"/>
+              <a:t>없음</a:t>
+            </a:r>
+            <a:endParaRPr lang="en-US" altLang="ko-KR" dirty="0"/>
+          </a:p>
+          <a:p>
+            <a:r>
+              <a:rPr lang="en-US" altLang="ko-KR" dirty="0"/>
+              <a:t>Forget Gate</a:t>
+            </a:r>
+            <a:r>
+              <a:rPr lang="ko-KR" altLang="en-US" dirty="0"/>
+              <a:t>와 </a:t>
+            </a:r>
+            <a:r>
+              <a:rPr lang="en-US" altLang="ko-KR" dirty="0"/>
+              <a:t>Input Gate </a:t>
+            </a:r>
+            <a:r>
+              <a:rPr lang="ko-KR" altLang="en-US" dirty="0"/>
+              <a:t>결합</a:t>
+            </a:r>
+            <a:endParaRPr lang="en-US" altLang="ko-KR" dirty="0"/>
+          </a:p>
+          <a:p>
+            <a:r>
+              <a:rPr lang="en-US" altLang="ko-KR" dirty="0"/>
+              <a:t>Reset Gate </a:t>
+            </a:r>
+            <a:r>
+              <a:rPr lang="ko-KR" altLang="en-US" dirty="0"/>
+              <a:t>추가</a:t>
+            </a:r>
+          </a:p>
+        </p:txBody>
+      </p:sp>
+      <p:sp>
+        <p:nvSpPr>
+          <p:cNvPr id="4" name="슬라이드 번호 개체 틀 3">
+            <a:extLst>
+              <a:ext uri="{FF2B5EF4-FFF2-40B4-BE49-F238E27FC236}">
+                <a16:creationId xmlns:a16="http://schemas.microsoft.com/office/drawing/2014/main" id="{C97EA913-E41A-7285-6F15-53E73FDE314B}"/>
+              </a:ext>
+            </a:extLst>
+          </p:cNvPr>
+          <p:cNvSpPr>
+            <a:spLocks noGrp="1"/>
+          </p:cNvSpPr>
+          <p:nvPr>
+            <p:ph type="sldNum" sz="quarter" idx="12"/>
+          </p:nvPr>
+        </p:nvSpPr>
+        <p:spPr/>
+        <p:txBody>
+          <a:bodyPr/>
+          <a:lstStyle/>
+          <a:p>
+            <a:fld id="{EBFA42FA-6F20-4D20-ACFC-4B4B58A69DFE}" type="slidenum">
+              <a:rPr lang="ko-KR" altLang="en-US" smtClean="0"/>
+              <a:t>17</a:t>
+            </a:fld>
+            <a:endParaRPr lang="ko-KR" altLang="en-US"/>
+          </a:p>
+        </p:txBody>
+      </p:sp>
       <p:pic>
         <p:nvPicPr>
-          <p:cNvPr id="6" name="내용 개체 틀 5">
-            <a:extLst>
-              <a:ext uri="{FF2B5EF4-FFF2-40B4-BE49-F238E27FC236}">
-                <a16:creationId xmlns:a16="http://schemas.microsoft.com/office/drawing/2014/main" id="{ACD40D9E-37BC-56C1-72B7-15DA17DB43EC}"/>
+          <p:cNvPr id="5" name="내용 개체 틀 7">
+            <a:extLst>
+              <a:ext uri="{FF2B5EF4-FFF2-40B4-BE49-F238E27FC236}">
+                <a16:creationId xmlns:a16="http://schemas.microsoft.com/office/drawing/2014/main" id="{58F1C8D1-DCA6-460A-55BC-1C2BD810E5DF}"/>
               </a:ext>
             </a:extLst>
           </p:cNvPr>
           <p:cNvPicPr>
-            <a:picLocks noGrp="1" noChangeAspect="1"/>
+            <a:picLocks noChangeAspect="1"/>
           </p:cNvPicPr>
-          <p:nvPr>
-            <p:ph idx="1"/>
-          </p:nvPr>
+          <p:nvPr/>
         </p:nvPicPr>
         <p:blipFill>
           <a:blip r:embed="rId2"/>
@@ -5755,44 +5875,18 @@
         </p:blipFill>
         <p:spPr>
           <a:xfrm>
-            <a:off x="2766219" y="2247900"/>
-            <a:ext cx="6657975" cy="3733800"/>
-          </a:xfrm>
+            <a:off x="2041238" y="2401959"/>
+            <a:ext cx="3798385" cy="3652644"/>
+          </a:xfrm>
+          <a:prstGeom prst="rect">
+            <a:avLst/>
+          </a:prstGeom>
         </p:spPr>
       </p:pic>
-      <p:sp>
-        <p:nvSpPr>
-          <p:cNvPr id="4" name="슬라이드 번호 개체 틀 3">
-            <a:extLst>
-              <a:ext uri="{FF2B5EF4-FFF2-40B4-BE49-F238E27FC236}">
-                <a16:creationId xmlns:a16="http://schemas.microsoft.com/office/drawing/2014/main" id="{79E3664D-8EBB-3087-F2EC-488FE74CE353}"/>
-              </a:ext>
-            </a:extLst>
-          </p:cNvPr>
-          <p:cNvSpPr>
-            <a:spLocks noGrp="1"/>
-          </p:cNvSpPr>
-          <p:nvPr>
-            <p:ph type="sldNum" sz="quarter" idx="12"/>
-          </p:nvPr>
-        </p:nvSpPr>
-        <p:spPr/>
-        <p:txBody>
-          <a:bodyPr/>
-          <a:lstStyle/>
-          <a:p>
-            <a:fld id="{EBFA42FA-6F20-4D20-ACFC-4B4B58A69DFE}" type="slidenum">
-              <a:rPr lang="ko-KR" altLang="en-US" smtClean="0"/>
-              <a:t>17</a:t>
-            </a:fld>
-            <a:endParaRPr lang="ko-KR" altLang="en-US"/>
-          </a:p>
-        </p:txBody>
-      </p:sp>
     </p:spTree>
     <p:extLst>
       <p:ext uri="{BB962C8B-B14F-4D97-AF65-F5344CB8AC3E}">
-        <p14:creationId xmlns:p14="http://schemas.microsoft.com/office/powerpoint/2010/main" val="1369314192"/>
+        <p14:creationId xmlns:p14="http://schemas.microsoft.com/office/powerpoint/2010/main" val="1464918161"/>
       </p:ext>
     </p:extLst>
   </p:cSld>
@@ -5824,7 +5918,7 @@
           <p:cNvPr id="2" name="제목 1">
             <a:extLst>
               <a:ext uri="{FF2B5EF4-FFF2-40B4-BE49-F238E27FC236}">
-                <a16:creationId xmlns:a16="http://schemas.microsoft.com/office/drawing/2014/main" id="{281C5806-29C2-650D-223F-4AF798A9E138}"/>
+                <a16:creationId xmlns:a16="http://schemas.microsoft.com/office/drawing/2014/main" id="{02B9373F-A6D8-5386-8587-36E5DF47307F}"/>
               </a:ext>
             </a:extLst>
           </p:cNvPr>
@@ -5840,7 +5934,11 @@
           <a:bodyPr/>
           <a:lstStyle/>
           <a:p>
-            <a:endParaRPr lang="ko-KR" altLang="en-US"/>
+            <a:r>
+              <a:rPr lang="en-US" altLang="ko-KR" dirty="0"/>
+              <a:t>Forget gate</a:t>
+            </a:r>
+            <a:endParaRPr lang="ko-KR" altLang="en-US" dirty="0"/>
           </a:p>
         </p:txBody>
       </p:sp>
@@ -5849,7 +5947,7 @@
           <p:cNvPr id="3" name="내용 개체 틀 2">
             <a:extLst>
               <a:ext uri="{FF2B5EF4-FFF2-40B4-BE49-F238E27FC236}">
-                <a16:creationId xmlns:a16="http://schemas.microsoft.com/office/drawing/2014/main" id="{866D2E55-D7CF-475D-6342-B60544BB1A7E}"/>
+                <a16:creationId xmlns:a16="http://schemas.microsoft.com/office/drawing/2014/main" id="{6456BC97-DBEB-D519-AB4E-321C4FAF5268}"/>
               </a:ext>
             </a:extLst>
           </p:cNvPr>
@@ -5860,12 +5958,59 @@
             <p:ph idx="1"/>
           </p:nvPr>
         </p:nvSpPr>
-        <p:spPr/>
-        <p:txBody>
-          <a:bodyPr/>
-          <a:lstStyle/>
-          <a:p>
-            <a:endParaRPr lang="ko-KR" altLang="en-US"/>
+        <p:spPr>
+          <a:xfrm>
+            <a:off x="6094959" y="3088744"/>
+            <a:ext cx="4724744" cy="2855884"/>
+          </a:xfrm>
+        </p:spPr>
+        <p:txBody>
+          <a:bodyPr/>
+          <a:lstStyle/>
+          <a:p>
+            <a:r>
+              <a:rPr lang="en-US" altLang="ko-KR" dirty="0"/>
+              <a:t>Forget gate</a:t>
+            </a:r>
+            <a:r>
+              <a:rPr lang="ko-KR" altLang="en-US" dirty="0"/>
+              <a:t>와 </a:t>
+            </a:r>
+            <a:r>
+              <a:rPr lang="en-US" altLang="ko-KR" dirty="0"/>
+              <a:t>Input gate </a:t>
+            </a:r>
+            <a:r>
+              <a:rPr lang="ko-KR" altLang="en-US" dirty="0"/>
+              <a:t>결합</a:t>
+            </a:r>
+            <a:endParaRPr lang="en-US" altLang="ko-KR" dirty="0"/>
+          </a:p>
+          <a:p>
+            <a:r>
+              <a:rPr lang="en-US" altLang="ko-KR" dirty="0"/>
+              <a:t>1</a:t>
+            </a:r>
+            <a:r>
+              <a:rPr lang="ko-KR" altLang="en-US" dirty="0"/>
+              <a:t>에서 </a:t>
+            </a:r>
+            <a:r>
+              <a:rPr lang="en-US" altLang="ko-KR" dirty="0"/>
+              <a:t>Forget gate</a:t>
+            </a:r>
+            <a:r>
+              <a:rPr lang="ko-KR" altLang="en-US" dirty="0"/>
+              <a:t>를 빼서 </a:t>
+            </a:r>
+            <a:r>
+              <a:rPr lang="en-US" altLang="ko-KR" dirty="0"/>
+              <a:t>Input gate</a:t>
+            </a:r>
+            <a:r>
+              <a:rPr lang="ko-KR" altLang="en-US" dirty="0"/>
+              <a:t>로 사용</a:t>
+            </a:r>
           </a:p>
         </p:txBody>
       </p:sp>
@@ -5874,7 +6019,7 @@
           <p:cNvPr id="4" name="슬라이드 번호 개체 틀 3">
             <a:extLst>
               <a:ext uri="{FF2B5EF4-FFF2-40B4-BE49-F238E27FC236}">
-                <a16:creationId xmlns:a16="http://schemas.microsoft.com/office/drawing/2014/main" id="{C97EA913-E41A-7285-6F15-53E73FDE314B}"/>
+                <a16:creationId xmlns:a16="http://schemas.microsoft.com/office/drawing/2014/main" id="{D7E0E8CE-BBFC-CEE0-A17E-7B1AF187903E}"/>
               </a:ext>
             </a:extLst>
           </p:cNvPr>
@@ -5898,10 +6043,278 @@
           </a:p>
         </p:txBody>
       </p:sp>
+      <p:pic>
+        <p:nvPicPr>
+          <p:cNvPr id="6" name="그림 5">
+            <a:extLst>
+              <a:ext uri="{FF2B5EF4-FFF2-40B4-BE49-F238E27FC236}">
+                <a16:creationId xmlns:a16="http://schemas.microsoft.com/office/drawing/2014/main" id="{AEA903CC-341B-01CA-2831-E96BD79FED40}"/>
+              </a:ext>
+            </a:extLst>
+          </p:cNvPr>
+          <p:cNvPicPr>
+            <a:picLocks noChangeAspect="1"/>
+          </p:cNvPicPr>
+          <p:nvPr/>
+        </p:nvPicPr>
+        <p:blipFill>
+          <a:blip r:embed="rId2"/>
+          <a:stretch>
+            <a:fillRect/>
+          </a:stretch>
+        </p:blipFill>
+        <p:spPr>
+          <a:xfrm>
+            <a:off x="1703533" y="2138226"/>
+            <a:ext cx="3468831" cy="3270612"/>
+          </a:xfrm>
+          <a:prstGeom prst="rect">
+            <a:avLst/>
+          </a:prstGeom>
+        </p:spPr>
+      </p:pic>
+      <p:pic>
+        <p:nvPicPr>
+          <p:cNvPr id="8" name="그림 7">
+            <a:extLst>
+              <a:ext uri="{FF2B5EF4-FFF2-40B4-BE49-F238E27FC236}">
+                <a16:creationId xmlns:a16="http://schemas.microsoft.com/office/drawing/2014/main" id="{7CE924BF-8ADC-1CB2-4FFB-B4619B736349}"/>
+              </a:ext>
+            </a:extLst>
+          </p:cNvPr>
+          <p:cNvPicPr>
+            <a:picLocks noChangeAspect="1"/>
+          </p:cNvPicPr>
+          <p:nvPr/>
+        </p:nvPicPr>
+        <p:blipFill>
+          <a:blip r:embed="rId3"/>
+          <a:stretch>
+            <a:fillRect/>
+          </a:stretch>
+        </p:blipFill>
+        <p:spPr>
+          <a:xfrm>
+            <a:off x="1980623" y="5563628"/>
+            <a:ext cx="2914650" cy="381000"/>
+          </a:xfrm>
+          <a:prstGeom prst="rect">
+            <a:avLst/>
+          </a:prstGeom>
+        </p:spPr>
+      </p:pic>
     </p:spTree>
     <p:extLst>
       <p:ext uri="{BB962C8B-B14F-4D97-AF65-F5344CB8AC3E}">
-        <p14:creationId xmlns:p14="http://schemas.microsoft.com/office/powerpoint/2010/main" val="1464918161"/>
+        <p14:creationId xmlns:p14="http://schemas.microsoft.com/office/powerpoint/2010/main" val="4135057509"/>
+      </p:ext>
+    </p:extLst>
+  </p:cSld>
+  <p:clrMapOvr>
+    <a:masterClrMapping/>
+  </p:clrMapOvr>
+</p:sld>
+</file>
+
+<file path=ppt/slides/slide19.xml><?xml version="1.0" encoding="utf-8"?>
+<p:sld xmlns:a="http://schemas.openxmlformats.org/drawingml/2006/main" xmlns:r="http://schemas.openxmlformats.org/officeDocument/2006/relationships" xmlns:p="http://schemas.openxmlformats.org/presentationml/2006/main">
+  <p:cSld>
+    <p:spTree>
+      <p:nvGrpSpPr>
+        <p:cNvPr id="1" name=""/>
+        <p:cNvGrpSpPr/>
+        <p:nvPr/>
+      </p:nvGrpSpPr>
+      <p:grpSpPr>
+        <a:xfrm>
+          <a:off x="0" y="0"/>
+          <a:ext cx="0" cy="0"/>
+          <a:chOff x="0" y="0"/>
+          <a:chExt cx="0" cy="0"/>
+        </a:xfrm>
+      </p:grpSpPr>
+      <p:sp>
+        <p:nvSpPr>
+          <p:cNvPr id="2" name="제목 1">
+            <a:extLst>
+              <a:ext uri="{FF2B5EF4-FFF2-40B4-BE49-F238E27FC236}">
+                <a16:creationId xmlns:a16="http://schemas.microsoft.com/office/drawing/2014/main" id="{7FC98EB5-026C-16FF-E51B-DF47817D1049}"/>
+              </a:ext>
+            </a:extLst>
+          </p:cNvPr>
+          <p:cNvSpPr>
+            <a:spLocks noGrp="1"/>
+          </p:cNvSpPr>
+          <p:nvPr>
+            <p:ph type="title"/>
+          </p:nvPr>
+        </p:nvSpPr>
+        <p:spPr/>
+        <p:txBody>
+          <a:bodyPr/>
+          <a:lstStyle/>
+          <a:p>
+            <a:r>
+              <a:rPr lang="en-US" altLang="ko-KR" dirty="0"/>
+              <a:t>Reset gate</a:t>
+            </a:r>
+            <a:endParaRPr lang="ko-KR" altLang="en-US" dirty="0"/>
+          </a:p>
+        </p:txBody>
+      </p:sp>
+      <p:sp>
+        <p:nvSpPr>
+          <p:cNvPr id="3" name="내용 개체 틀 2">
+            <a:extLst>
+              <a:ext uri="{FF2B5EF4-FFF2-40B4-BE49-F238E27FC236}">
+                <a16:creationId xmlns:a16="http://schemas.microsoft.com/office/drawing/2014/main" id="{0746CA4A-2D44-E58E-3601-1377E89CF85C}"/>
+              </a:ext>
+            </a:extLst>
+          </p:cNvPr>
+          <p:cNvSpPr>
+            <a:spLocks noGrp="1"/>
+          </p:cNvSpPr>
+          <p:nvPr>
+            <p:ph idx="1"/>
+          </p:nvPr>
+        </p:nvSpPr>
+        <p:spPr>
+          <a:xfrm>
+            <a:off x="6094959" y="2958234"/>
+            <a:ext cx="4988677" cy="2929775"/>
+          </a:xfrm>
+        </p:spPr>
+        <p:txBody>
+          <a:bodyPr/>
+          <a:lstStyle/>
+          <a:p>
+            <a:r>
+              <a:rPr lang="en-US" altLang="ko-KR" dirty="0"/>
+              <a:t>Sigmoid </a:t>
+            </a:r>
+            <a:r>
+              <a:rPr lang="ko-KR" altLang="en-US" dirty="0"/>
+              <a:t>활성함수</a:t>
+            </a:r>
+            <a:r>
+              <a:rPr lang="en-US" altLang="ko-KR" dirty="0"/>
+              <a:t>, 0~1 </a:t>
+            </a:r>
+            <a:r>
+              <a:rPr lang="ko-KR" altLang="en-US" dirty="0" err="1"/>
+              <a:t>출력값</a:t>
+            </a:r>
+            <a:endParaRPr lang="en-US" altLang="ko-KR" dirty="0"/>
+          </a:p>
+          <a:p>
+            <a:r>
+              <a:rPr lang="ko-KR" altLang="en-US" dirty="0"/>
+              <a:t>새로운 </a:t>
+            </a:r>
+            <a:r>
+              <a:rPr lang="en-US" altLang="ko-KR" dirty="0"/>
+              <a:t>feature</a:t>
+            </a:r>
+            <a:r>
+              <a:rPr lang="ko-KR" altLang="en-US" dirty="0"/>
+              <a:t>를 뽑을 때 이전 기억을 얼만큼 잊을지 결정</a:t>
+            </a:r>
+          </a:p>
+        </p:txBody>
+      </p:sp>
+      <p:sp>
+        <p:nvSpPr>
+          <p:cNvPr id="4" name="슬라이드 번호 개체 틀 3">
+            <a:extLst>
+              <a:ext uri="{FF2B5EF4-FFF2-40B4-BE49-F238E27FC236}">
+                <a16:creationId xmlns:a16="http://schemas.microsoft.com/office/drawing/2014/main" id="{E099E15B-2D41-DDA7-9CF2-1A462DCB2F2E}"/>
+              </a:ext>
+            </a:extLst>
+          </p:cNvPr>
+          <p:cNvSpPr>
+            <a:spLocks noGrp="1"/>
+          </p:cNvSpPr>
+          <p:nvPr>
+            <p:ph type="sldNum" sz="quarter" idx="12"/>
+          </p:nvPr>
+        </p:nvSpPr>
+        <p:spPr/>
+        <p:txBody>
+          <a:bodyPr/>
+          <a:lstStyle/>
+          <a:p>
+            <a:fld id="{EBFA42FA-6F20-4D20-ACFC-4B4B58A69DFE}" type="slidenum">
+              <a:rPr lang="ko-KR" altLang="en-US" smtClean="0"/>
+              <a:t>19</a:t>
+            </a:fld>
+            <a:endParaRPr lang="ko-KR" altLang="en-US"/>
+          </a:p>
+        </p:txBody>
+      </p:sp>
+      <p:pic>
+        <p:nvPicPr>
+          <p:cNvPr id="8" name="그림 7">
+            <a:extLst>
+              <a:ext uri="{FF2B5EF4-FFF2-40B4-BE49-F238E27FC236}">
+                <a16:creationId xmlns:a16="http://schemas.microsoft.com/office/drawing/2014/main" id="{0217B6C5-C9F1-D1FD-4D2B-28E2C646837B}"/>
+              </a:ext>
+            </a:extLst>
+          </p:cNvPr>
+          <p:cNvPicPr>
+            <a:picLocks noChangeAspect="1"/>
+          </p:cNvPicPr>
+          <p:nvPr/>
+        </p:nvPicPr>
+        <p:blipFill>
+          <a:blip r:embed="rId2"/>
+          <a:stretch>
+            <a:fillRect/>
+          </a:stretch>
+        </p:blipFill>
+        <p:spPr>
+          <a:xfrm>
+            <a:off x="1607705" y="2081487"/>
+            <a:ext cx="3537224" cy="3226522"/>
+          </a:xfrm>
+          <a:prstGeom prst="rect">
+            <a:avLst/>
+          </a:prstGeom>
+        </p:spPr>
+      </p:pic>
+      <p:pic>
+        <p:nvPicPr>
+          <p:cNvPr id="10" name="그림 9">
+            <a:extLst>
+              <a:ext uri="{FF2B5EF4-FFF2-40B4-BE49-F238E27FC236}">
+                <a16:creationId xmlns:a16="http://schemas.microsoft.com/office/drawing/2014/main" id="{BAF5BA19-96DF-09D7-01C1-8FBECB0A7B83}"/>
+              </a:ext>
+            </a:extLst>
+          </p:cNvPr>
+          <p:cNvPicPr>
+            <a:picLocks noChangeAspect="1"/>
+          </p:cNvPicPr>
+          <p:nvPr/>
+        </p:nvPicPr>
+        <p:blipFill>
+          <a:blip r:embed="rId3"/>
+          <a:stretch>
+            <a:fillRect/>
+          </a:stretch>
+        </p:blipFill>
+        <p:spPr>
+          <a:xfrm>
+            <a:off x="2142396" y="5668934"/>
+            <a:ext cx="2800350" cy="438150"/>
+          </a:xfrm>
+          <a:prstGeom prst="rect">
+            <a:avLst/>
+          </a:prstGeom>
+        </p:spPr>
+      </p:pic>
+    </p:spTree>
+    <p:extLst>
+      <p:ext uri="{BB962C8B-B14F-4D97-AF65-F5344CB8AC3E}">
+        <p14:creationId xmlns:p14="http://schemas.microsoft.com/office/powerpoint/2010/main" val="2991960287"/>
       </p:ext>
     </p:extLst>
   </p:cSld>
@@ -6006,17 +6419,20 @@
           </a:p>
           <a:p>
             <a:r>
-              <a:rPr lang="ko-KR" altLang="en-US" sz="2800" dirty="0" err="1"/>
-              <a:t>역전파</a:t>
+              <a:rPr lang="ko-KR" altLang="en-US" sz="2800" dirty="0"/>
+              <a:t>입출력 </a:t>
             </a:r>
             <a:r>
               <a:rPr lang="en-US" altLang="ko-KR" sz="2800" dirty="0"/>
-              <a:t>, tensor,</a:t>
-            </a:r>
-            <a:r>
-              <a:rPr lang="ko-KR" altLang="en-US" sz="2800" dirty="0"/>
-              <a:t>학습법</a:t>
-            </a:r>
+              <a:t>tensor</a:t>
+            </a:r>
+          </a:p>
+          <a:p>
+            <a:r>
+              <a:rPr lang="en-US" altLang="ko-KR" sz="2800" dirty="0"/>
+              <a:t>BPTT</a:t>
+            </a:r>
+            <a:endParaRPr lang="ko-KR" altLang="en-US" sz="2800" dirty="0"/>
           </a:p>
         </p:txBody>
       </p:sp>
@@ -6053,6 +6469,1996 @@
     <p:extLst>
       <p:ext uri="{BB962C8B-B14F-4D97-AF65-F5344CB8AC3E}">
         <p14:creationId xmlns:p14="http://schemas.microsoft.com/office/powerpoint/2010/main" val="2107593066"/>
+      </p:ext>
+    </p:extLst>
+  </p:cSld>
+  <p:clrMapOvr>
+    <a:masterClrMapping/>
+  </p:clrMapOvr>
+</p:sld>
+</file>
+
+<file path=ppt/slides/slide20.xml><?xml version="1.0" encoding="utf-8"?>
+<p:sld xmlns:a="http://schemas.openxmlformats.org/drawingml/2006/main" xmlns:r="http://schemas.openxmlformats.org/officeDocument/2006/relationships" xmlns:p="http://schemas.openxmlformats.org/presentationml/2006/main">
+  <p:cSld>
+    <p:spTree>
+      <p:nvGrpSpPr>
+        <p:cNvPr id="1" name=""/>
+        <p:cNvGrpSpPr/>
+        <p:nvPr/>
+      </p:nvGrpSpPr>
+      <p:grpSpPr>
+        <a:xfrm>
+          <a:off x="0" y="0"/>
+          <a:ext cx="0" cy="0"/>
+          <a:chOff x="0" y="0"/>
+          <a:chExt cx="0" cy="0"/>
+        </a:xfrm>
+      </p:grpSpPr>
+      <p:sp>
+        <p:nvSpPr>
+          <p:cNvPr id="2" name="제목 1">
+            <a:extLst>
+              <a:ext uri="{FF2B5EF4-FFF2-40B4-BE49-F238E27FC236}">
+                <a16:creationId xmlns:a16="http://schemas.microsoft.com/office/drawing/2014/main" id="{8D53A624-889D-6CD8-8A99-1A9B753FD08E}"/>
+              </a:ext>
+            </a:extLst>
+          </p:cNvPr>
+          <p:cNvSpPr>
+            <a:spLocks noGrp="1"/>
+          </p:cNvSpPr>
+          <p:nvPr>
+            <p:ph type="title"/>
+          </p:nvPr>
+        </p:nvSpPr>
+        <p:spPr/>
+        <p:txBody>
+          <a:bodyPr/>
+          <a:lstStyle/>
+          <a:p>
+            <a:r>
+              <a:rPr lang="en-US" altLang="ko-KR" dirty="0"/>
+              <a:t>Hidden state </a:t>
+            </a:r>
+            <a:r>
+              <a:rPr lang="ko-KR" altLang="en-US" dirty="0"/>
+              <a:t>관점</a:t>
+            </a:r>
+          </a:p>
+        </p:txBody>
+      </p:sp>
+      <p:sp>
+        <p:nvSpPr>
+          <p:cNvPr id="3" name="내용 개체 틀 2">
+            <a:extLst>
+              <a:ext uri="{FF2B5EF4-FFF2-40B4-BE49-F238E27FC236}">
+                <a16:creationId xmlns:a16="http://schemas.microsoft.com/office/drawing/2014/main" id="{238865C5-17CC-05DB-FCFC-B3750E9B47D8}"/>
+              </a:ext>
+            </a:extLst>
+          </p:cNvPr>
+          <p:cNvSpPr>
+            <a:spLocks noGrp="1"/>
+          </p:cNvSpPr>
+          <p:nvPr>
+            <p:ph idx="1"/>
+          </p:nvPr>
+        </p:nvSpPr>
+        <p:spPr>
+          <a:xfrm>
+            <a:off x="7019637" y="2678544"/>
+            <a:ext cx="3967362" cy="3539375"/>
+          </a:xfrm>
+        </p:spPr>
+        <p:txBody>
+          <a:bodyPr/>
+          <a:lstStyle/>
+          <a:p>
+            <a:r>
+              <a:rPr lang="ko-KR" altLang="en-US" dirty="0"/>
+              <a:t>이전 기억에서 기억할 부분 결정 </a:t>
+            </a:r>
+            <a:r>
+              <a:rPr lang="en-US" altLang="ko-KR" dirty="0"/>
+              <a:t>: Forget gate</a:t>
+            </a:r>
+          </a:p>
+          <a:p>
+            <a:r>
+              <a:rPr lang="ko-KR" altLang="en-US" dirty="0"/>
+              <a:t>새로운 특징 뽑을 때 이전 기억을 얼마나 사용할지 결정 </a:t>
+            </a:r>
+            <a:r>
+              <a:rPr lang="en-US" altLang="ko-KR" dirty="0"/>
+              <a:t>: Reset gate</a:t>
+            </a:r>
+          </a:p>
+          <a:p>
+            <a:r>
+              <a:rPr lang="en-US" altLang="ko-KR" dirty="0"/>
+              <a:t>Bound </a:t>
+            </a:r>
+            <a:r>
+              <a:rPr lang="ko-KR" altLang="en-US" dirty="0"/>
+              <a:t>유지</a:t>
+            </a:r>
+          </a:p>
+        </p:txBody>
+      </p:sp>
+      <p:sp>
+        <p:nvSpPr>
+          <p:cNvPr id="4" name="슬라이드 번호 개체 틀 3">
+            <a:extLst>
+              <a:ext uri="{FF2B5EF4-FFF2-40B4-BE49-F238E27FC236}">
+                <a16:creationId xmlns:a16="http://schemas.microsoft.com/office/drawing/2014/main" id="{6B2634E9-D966-E444-BAAA-C0ABA6364CE6}"/>
+              </a:ext>
+            </a:extLst>
+          </p:cNvPr>
+          <p:cNvSpPr>
+            <a:spLocks noGrp="1"/>
+          </p:cNvSpPr>
+          <p:nvPr>
+            <p:ph type="sldNum" sz="quarter" idx="12"/>
+          </p:nvPr>
+        </p:nvSpPr>
+        <p:spPr/>
+        <p:txBody>
+          <a:bodyPr/>
+          <a:lstStyle/>
+          <a:p>
+            <a:fld id="{EBFA42FA-6F20-4D20-ACFC-4B4B58A69DFE}" type="slidenum">
+              <a:rPr lang="ko-KR" altLang="en-US" smtClean="0"/>
+              <a:t>20</a:t>
+            </a:fld>
+            <a:endParaRPr lang="ko-KR" altLang="en-US"/>
+          </a:p>
+        </p:txBody>
+      </p:sp>
+      <p:pic>
+        <p:nvPicPr>
+          <p:cNvPr id="6" name="그림 5">
+            <a:extLst>
+              <a:ext uri="{FF2B5EF4-FFF2-40B4-BE49-F238E27FC236}">
+                <a16:creationId xmlns:a16="http://schemas.microsoft.com/office/drawing/2014/main" id="{DC4DFF10-B586-12E0-3216-74E53015C1A2}"/>
+              </a:ext>
+            </a:extLst>
+          </p:cNvPr>
+          <p:cNvPicPr>
+            <a:picLocks noChangeAspect="1"/>
+          </p:cNvPicPr>
+          <p:nvPr/>
+        </p:nvPicPr>
+        <p:blipFill>
+          <a:blip r:embed="rId2"/>
+          <a:stretch>
+            <a:fillRect/>
+          </a:stretch>
+        </p:blipFill>
+        <p:spPr>
+          <a:xfrm>
+            <a:off x="2331838" y="2091230"/>
+            <a:ext cx="3514034" cy="3176620"/>
+          </a:xfrm>
+          <a:prstGeom prst="rect">
+            <a:avLst/>
+          </a:prstGeom>
+        </p:spPr>
+      </p:pic>
+      <p:pic>
+        <p:nvPicPr>
+          <p:cNvPr id="8" name="그림 7">
+            <a:extLst>
+              <a:ext uri="{FF2B5EF4-FFF2-40B4-BE49-F238E27FC236}">
+                <a16:creationId xmlns:a16="http://schemas.microsoft.com/office/drawing/2014/main" id="{F261C9AC-745C-B88D-5E13-71D7EE3B440C}"/>
+              </a:ext>
+            </a:extLst>
+          </p:cNvPr>
+          <p:cNvPicPr>
+            <a:picLocks noChangeAspect="1"/>
+          </p:cNvPicPr>
+          <p:nvPr/>
+        </p:nvPicPr>
+        <p:blipFill>
+          <a:blip r:embed="rId3"/>
+          <a:stretch>
+            <a:fillRect/>
+          </a:stretch>
+        </p:blipFill>
+        <p:spPr>
+          <a:xfrm>
+            <a:off x="2188617" y="5503259"/>
+            <a:ext cx="3800475" cy="857250"/>
+          </a:xfrm>
+          <a:prstGeom prst="rect">
+            <a:avLst/>
+          </a:prstGeom>
+        </p:spPr>
+      </p:pic>
+    </p:spTree>
+    <p:extLst>
+      <p:ext uri="{BB962C8B-B14F-4D97-AF65-F5344CB8AC3E}">
+        <p14:creationId xmlns:p14="http://schemas.microsoft.com/office/powerpoint/2010/main" val="2618377302"/>
+      </p:ext>
+    </p:extLst>
+  </p:cSld>
+  <p:clrMapOvr>
+    <a:masterClrMapping/>
+  </p:clrMapOvr>
+</p:sld>
+</file>
+
+<file path=ppt/slides/slide21.xml><?xml version="1.0" encoding="utf-8"?>
+<p:sld xmlns:a="http://schemas.openxmlformats.org/drawingml/2006/main" xmlns:r="http://schemas.openxmlformats.org/officeDocument/2006/relationships" xmlns:p="http://schemas.openxmlformats.org/presentationml/2006/main">
+  <p:cSld>
+    <p:spTree>
+      <p:nvGrpSpPr>
+        <p:cNvPr id="1" name=""/>
+        <p:cNvGrpSpPr/>
+        <p:nvPr/>
+      </p:nvGrpSpPr>
+      <p:grpSpPr>
+        <a:xfrm>
+          <a:off x="0" y="0"/>
+          <a:ext cx="0" cy="0"/>
+          <a:chOff x="0" y="0"/>
+          <a:chExt cx="0" cy="0"/>
+        </a:xfrm>
+      </p:grpSpPr>
+      <p:sp>
+        <p:nvSpPr>
+          <p:cNvPr id="2" name="제목 1">
+            <a:extLst>
+              <a:ext uri="{FF2B5EF4-FFF2-40B4-BE49-F238E27FC236}">
+                <a16:creationId xmlns:a16="http://schemas.microsoft.com/office/drawing/2014/main" id="{0C517E4F-311C-01CE-8FDF-CBA74F0E8B0E}"/>
+              </a:ext>
+            </a:extLst>
+          </p:cNvPr>
+          <p:cNvSpPr>
+            <a:spLocks noGrp="1"/>
+          </p:cNvSpPr>
+          <p:nvPr>
+            <p:ph type="title"/>
+          </p:nvPr>
+        </p:nvSpPr>
+        <p:spPr/>
+        <p:txBody>
+          <a:bodyPr/>
+          <a:lstStyle/>
+          <a:p>
+            <a:r>
+              <a:rPr lang="en-US" altLang="ko-KR" dirty="0"/>
+              <a:t>RNN </a:t>
+            </a:r>
+            <a:r>
+              <a:rPr lang="ko-KR" altLang="en-US" dirty="0"/>
+              <a:t>입력 </a:t>
+            </a:r>
+            <a:r>
+              <a:rPr lang="ko-KR" altLang="en-US" dirty="0" err="1"/>
+              <a:t>텐서</a:t>
+            </a:r>
+            <a:endParaRPr lang="ko-KR" altLang="en-US" dirty="0"/>
+          </a:p>
+        </p:txBody>
+      </p:sp>
+      <p:sp>
+        <p:nvSpPr>
+          <p:cNvPr id="3" name="내용 개체 틀 2">
+            <a:extLst>
+              <a:ext uri="{FF2B5EF4-FFF2-40B4-BE49-F238E27FC236}">
+                <a16:creationId xmlns:a16="http://schemas.microsoft.com/office/drawing/2014/main" id="{13976026-B03C-24C4-AD70-BC00717B652D}"/>
+              </a:ext>
+            </a:extLst>
+          </p:cNvPr>
+          <p:cNvSpPr>
+            <a:spLocks noGrp="1"/>
+          </p:cNvSpPr>
+          <p:nvPr>
+            <p:ph idx="1"/>
+          </p:nvPr>
+        </p:nvSpPr>
+        <p:spPr>
+          <a:xfrm>
+            <a:off x="7072603" y="2011680"/>
+            <a:ext cx="3914395" cy="4206240"/>
+          </a:xfrm>
+        </p:spPr>
+        <p:txBody>
+          <a:bodyPr/>
+          <a:lstStyle/>
+          <a:p>
+            <a:endParaRPr lang="ko-KR" altLang="en-US"/>
+          </a:p>
+        </p:txBody>
+      </p:sp>
+      <p:sp>
+        <p:nvSpPr>
+          <p:cNvPr id="4" name="슬라이드 번호 개체 틀 3">
+            <a:extLst>
+              <a:ext uri="{FF2B5EF4-FFF2-40B4-BE49-F238E27FC236}">
+                <a16:creationId xmlns:a16="http://schemas.microsoft.com/office/drawing/2014/main" id="{E2F873E1-36BA-FFD8-4F63-2157B6DB55BA}"/>
+              </a:ext>
+            </a:extLst>
+          </p:cNvPr>
+          <p:cNvSpPr>
+            <a:spLocks noGrp="1"/>
+          </p:cNvSpPr>
+          <p:nvPr>
+            <p:ph type="sldNum" sz="quarter" idx="12"/>
+          </p:nvPr>
+        </p:nvSpPr>
+        <p:spPr/>
+        <p:txBody>
+          <a:bodyPr/>
+          <a:lstStyle/>
+          <a:p>
+            <a:fld id="{EBFA42FA-6F20-4D20-ACFC-4B4B58A69DFE}" type="slidenum">
+              <a:rPr lang="ko-KR" altLang="en-US" smtClean="0"/>
+              <a:t>21</a:t>
+            </a:fld>
+            <a:endParaRPr lang="ko-KR" altLang="en-US"/>
+          </a:p>
+        </p:txBody>
+      </p:sp>
+      <p:pic>
+        <p:nvPicPr>
+          <p:cNvPr id="6" name="그림 5">
+            <a:extLst>
+              <a:ext uri="{FF2B5EF4-FFF2-40B4-BE49-F238E27FC236}">
+                <a16:creationId xmlns:a16="http://schemas.microsoft.com/office/drawing/2014/main" id="{C1BE80A2-6AD2-362E-1B99-2C8F04A9C2FE}"/>
+              </a:ext>
+            </a:extLst>
+          </p:cNvPr>
+          <p:cNvPicPr>
+            <a:picLocks noChangeAspect="1"/>
+          </p:cNvPicPr>
+          <p:nvPr/>
+        </p:nvPicPr>
+        <p:blipFill>
+          <a:blip r:embed="rId2"/>
+          <a:stretch>
+            <a:fillRect/>
+          </a:stretch>
+        </p:blipFill>
+        <p:spPr>
+          <a:xfrm>
+            <a:off x="2367304" y="2300555"/>
+            <a:ext cx="7146055" cy="3468281"/>
+          </a:xfrm>
+          <a:prstGeom prst="rect">
+            <a:avLst/>
+          </a:prstGeom>
+        </p:spPr>
+      </p:pic>
+      <p:pic>
+        <p:nvPicPr>
+          <p:cNvPr id="8" name="그림 7">
+            <a:extLst>
+              <a:ext uri="{FF2B5EF4-FFF2-40B4-BE49-F238E27FC236}">
+                <a16:creationId xmlns:a16="http://schemas.microsoft.com/office/drawing/2014/main" id="{ABEF21B5-C523-0327-6381-F6480E3A7E92}"/>
+              </a:ext>
+            </a:extLst>
+          </p:cNvPr>
+          <p:cNvPicPr>
+            <a:picLocks noChangeAspect="1"/>
+          </p:cNvPicPr>
+          <p:nvPr/>
+        </p:nvPicPr>
+        <p:blipFill>
+          <a:blip r:embed="rId3"/>
+          <a:stretch>
+            <a:fillRect/>
+          </a:stretch>
+        </p:blipFill>
+        <p:spPr>
+          <a:xfrm>
+            <a:off x="1437908" y="2300555"/>
+            <a:ext cx="9004846" cy="3468281"/>
+          </a:xfrm>
+          <a:prstGeom prst="rect">
+            <a:avLst/>
+          </a:prstGeom>
+        </p:spPr>
+      </p:pic>
+    </p:spTree>
+    <p:extLst>
+      <p:ext uri="{BB962C8B-B14F-4D97-AF65-F5344CB8AC3E}">
+        <p14:creationId xmlns:p14="http://schemas.microsoft.com/office/powerpoint/2010/main" val="1130780576"/>
+      </p:ext>
+    </p:extLst>
+  </p:cSld>
+  <p:clrMapOvr>
+    <a:masterClrMapping/>
+  </p:clrMapOvr>
+  <p:timing>
+    <p:tnLst>
+      <p:par>
+        <p:cTn id="1" dur="indefinite" restart="never" nodeType="tmRoot">
+          <p:childTnLst>
+            <p:seq concurrent="1" nextAc="seek">
+              <p:cTn id="2" dur="indefinite" nodeType="mainSeq">
+                <p:childTnLst>
+                  <p:par>
+                    <p:cTn id="3" fill="hold">
+                      <p:stCondLst>
+                        <p:cond delay="indefinite"/>
+                      </p:stCondLst>
+                      <p:childTnLst>
+                        <p:par>
+                          <p:cTn id="4" fill="hold">
+                            <p:stCondLst>
+                              <p:cond delay="0"/>
+                            </p:stCondLst>
+                            <p:childTnLst>
+                              <p:par>
+                                <p:cTn id="5" presetID="1" presetClass="entr" presetSubtype="0" fill="hold" nodeType="clickEffect">
+                                  <p:stCondLst>
+                                    <p:cond delay="0"/>
+                                  </p:stCondLst>
+                                  <p:childTnLst>
+                                    <p:set>
+                                      <p:cBhvr>
+                                        <p:cTn id="6" dur="1" fill="hold">
+                                          <p:stCondLst>
+                                            <p:cond delay="0"/>
+                                          </p:stCondLst>
+                                        </p:cTn>
+                                        <p:tgtEl>
+                                          <p:spTgt spid="6"/>
+                                        </p:tgtEl>
+                                        <p:attrNameLst>
+                                          <p:attrName>style.visibility</p:attrName>
+                                        </p:attrNameLst>
+                                      </p:cBhvr>
+                                      <p:to>
+                                        <p:strVal val="visible"/>
+                                      </p:to>
+                                    </p:set>
+                                  </p:childTnLst>
+                                </p:cTn>
+                              </p:par>
+                            </p:childTnLst>
+                          </p:cTn>
+                        </p:par>
+                      </p:childTnLst>
+                    </p:cTn>
+                  </p:par>
+                  <p:par>
+                    <p:cTn id="7" fill="hold">
+                      <p:stCondLst>
+                        <p:cond delay="indefinite"/>
+                      </p:stCondLst>
+                      <p:childTnLst>
+                        <p:par>
+                          <p:cTn id="8" fill="hold">
+                            <p:stCondLst>
+                              <p:cond delay="0"/>
+                            </p:stCondLst>
+                            <p:childTnLst>
+                              <p:par>
+                                <p:cTn id="9" presetID="1" presetClass="entr" presetSubtype="0" fill="hold" nodeType="clickEffect">
+                                  <p:stCondLst>
+                                    <p:cond delay="0"/>
+                                  </p:stCondLst>
+                                  <p:childTnLst>
+                                    <p:set>
+                                      <p:cBhvr>
+                                        <p:cTn id="10" dur="1" fill="hold">
+                                          <p:stCondLst>
+                                            <p:cond delay="0"/>
+                                          </p:stCondLst>
+                                        </p:cTn>
+                                        <p:tgtEl>
+                                          <p:spTgt spid="8"/>
+                                        </p:tgtEl>
+                                        <p:attrNameLst>
+                                          <p:attrName>style.visibility</p:attrName>
+                                        </p:attrNameLst>
+                                      </p:cBhvr>
+                                      <p:to>
+                                        <p:strVal val="visible"/>
+                                      </p:to>
+                                    </p:set>
+                                  </p:childTnLst>
+                                </p:cTn>
+                              </p:par>
+                            </p:childTnLst>
+                          </p:cTn>
+                        </p:par>
+                      </p:childTnLst>
+                    </p:cTn>
+                  </p:par>
+                </p:childTnLst>
+              </p:cTn>
+              <p:prevCondLst>
+                <p:cond evt="onPrev" delay="0">
+                  <p:tgtEl>
+                    <p:sldTgt/>
+                  </p:tgtEl>
+                </p:cond>
+              </p:prevCondLst>
+              <p:nextCondLst>
+                <p:cond evt="onNext" delay="0">
+                  <p:tgtEl>
+                    <p:sldTgt/>
+                  </p:tgtEl>
+                </p:cond>
+              </p:nextCondLst>
+            </p:seq>
+          </p:childTnLst>
+        </p:cTn>
+      </p:par>
+    </p:tnLst>
+  </p:timing>
+</p:sld>
+</file>
+
+<file path=ppt/slides/slide22.xml><?xml version="1.0" encoding="utf-8"?>
+<p:sld xmlns:a="http://schemas.openxmlformats.org/drawingml/2006/main" xmlns:r="http://schemas.openxmlformats.org/officeDocument/2006/relationships" xmlns:p="http://schemas.openxmlformats.org/presentationml/2006/main">
+  <p:cSld>
+    <p:spTree>
+      <p:nvGrpSpPr>
+        <p:cNvPr id="1" name=""/>
+        <p:cNvGrpSpPr/>
+        <p:nvPr/>
+      </p:nvGrpSpPr>
+      <p:grpSpPr>
+        <a:xfrm>
+          <a:off x="0" y="0"/>
+          <a:ext cx="0" cy="0"/>
+          <a:chOff x="0" y="0"/>
+          <a:chExt cx="0" cy="0"/>
+        </a:xfrm>
+      </p:grpSpPr>
+      <p:sp>
+        <p:nvSpPr>
+          <p:cNvPr id="2" name="제목 1">
+            <a:extLst>
+              <a:ext uri="{FF2B5EF4-FFF2-40B4-BE49-F238E27FC236}">
+                <a16:creationId xmlns:a16="http://schemas.microsoft.com/office/drawing/2014/main" id="{81C74FCF-C3E8-AB27-0423-B90ABBDB3012}"/>
+              </a:ext>
+            </a:extLst>
+          </p:cNvPr>
+          <p:cNvSpPr>
+            <a:spLocks noGrp="1"/>
+          </p:cNvSpPr>
+          <p:nvPr>
+            <p:ph type="title"/>
+          </p:nvPr>
+        </p:nvSpPr>
+        <p:spPr/>
+        <p:txBody>
+          <a:bodyPr/>
+          <a:lstStyle/>
+          <a:p>
+            <a:r>
+              <a:rPr lang="en-US" altLang="ko-KR" dirty="0"/>
+              <a:t>RNN </a:t>
+            </a:r>
+            <a:r>
+              <a:rPr lang="ko-KR" altLang="en-US" dirty="0"/>
+              <a:t>출력 </a:t>
+            </a:r>
+            <a:r>
+              <a:rPr lang="ko-KR" altLang="en-US" dirty="0" err="1"/>
+              <a:t>텐서</a:t>
+            </a:r>
+            <a:endParaRPr lang="ko-KR" altLang="en-US" dirty="0"/>
+          </a:p>
+        </p:txBody>
+      </p:sp>
+      <p:sp>
+        <p:nvSpPr>
+          <p:cNvPr id="3" name="내용 개체 틀 2">
+            <a:extLst>
+              <a:ext uri="{FF2B5EF4-FFF2-40B4-BE49-F238E27FC236}">
+                <a16:creationId xmlns:a16="http://schemas.microsoft.com/office/drawing/2014/main" id="{6BB072B5-A882-C105-3D28-88B36D7CE5EE}"/>
+              </a:ext>
+            </a:extLst>
+          </p:cNvPr>
+          <p:cNvSpPr>
+            <a:spLocks noGrp="1"/>
+          </p:cNvSpPr>
+          <p:nvPr>
+            <p:ph idx="1"/>
+          </p:nvPr>
+        </p:nvSpPr>
+        <p:spPr>
+          <a:xfrm>
+            <a:off x="6279501" y="2011680"/>
+            <a:ext cx="4707497" cy="4206240"/>
+          </a:xfrm>
+        </p:spPr>
+        <p:txBody>
+          <a:bodyPr/>
+          <a:lstStyle/>
+          <a:p>
+            <a:endParaRPr lang="ko-KR" altLang="en-US"/>
+          </a:p>
+        </p:txBody>
+      </p:sp>
+      <p:sp>
+        <p:nvSpPr>
+          <p:cNvPr id="4" name="슬라이드 번호 개체 틀 3">
+            <a:extLst>
+              <a:ext uri="{FF2B5EF4-FFF2-40B4-BE49-F238E27FC236}">
+                <a16:creationId xmlns:a16="http://schemas.microsoft.com/office/drawing/2014/main" id="{085EE512-7D39-8A86-41CC-B47AF7674A96}"/>
+              </a:ext>
+            </a:extLst>
+          </p:cNvPr>
+          <p:cNvSpPr>
+            <a:spLocks noGrp="1"/>
+          </p:cNvSpPr>
+          <p:nvPr>
+            <p:ph type="sldNum" sz="quarter" idx="12"/>
+          </p:nvPr>
+        </p:nvSpPr>
+        <p:spPr/>
+        <p:txBody>
+          <a:bodyPr/>
+          <a:lstStyle/>
+          <a:p>
+            <a:fld id="{EBFA42FA-6F20-4D20-ACFC-4B4B58A69DFE}" type="slidenum">
+              <a:rPr lang="ko-KR" altLang="en-US" smtClean="0"/>
+              <a:t>22</a:t>
+            </a:fld>
+            <a:endParaRPr lang="ko-KR" altLang="en-US"/>
+          </a:p>
+        </p:txBody>
+      </p:sp>
+      <p:pic>
+        <p:nvPicPr>
+          <p:cNvPr id="6" name="그림 5">
+            <a:extLst>
+              <a:ext uri="{FF2B5EF4-FFF2-40B4-BE49-F238E27FC236}">
+                <a16:creationId xmlns:a16="http://schemas.microsoft.com/office/drawing/2014/main" id="{14D6AF25-2ACD-3376-5388-3D79F3BD6315}"/>
+              </a:ext>
+            </a:extLst>
+          </p:cNvPr>
+          <p:cNvPicPr>
+            <a:picLocks noChangeAspect="1"/>
+          </p:cNvPicPr>
+          <p:nvPr/>
+        </p:nvPicPr>
+        <p:blipFill>
+          <a:blip r:embed="rId2"/>
+          <a:stretch>
+            <a:fillRect/>
+          </a:stretch>
+        </p:blipFill>
+        <p:spPr>
+          <a:xfrm>
+            <a:off x="2559532" y="2472612"/>
+            <a:ext cx="7582844" cy="3387682"/>
+          </a:xfrm>
+          <a:prstGeom prst="rect">
+            <a:avLst/>
+          </a:prstGeom>
+        </p:spPr>
+      </p:pic>
+      <p:pic>
+        <p:nvPicPr>
+          <p:cNvPr id="8" name="그림 7">
+            <a:extLst>
+              <a:ext uri="{FF2B5EF4-FFF2-40B4-BE49-F238E27FC236}">
+                <a16:creationId xmlns:a16="http://schemas.microsoft.com/office/drawing/2014/main" id="{2F299CA8-E66E-B10E-DA4E-CFC9AF136507}"/>
+              </a:ext>
+            </a:extLst>
+          </p:cNvPr>
+          <p:cNvPicPr>
+            <a:picLocks noChangeAspect="1"/>
+          </p:cNvPicPr>
+          <p:nvPr/>
+        </p:nvPicPr>
+        <p:blipFill>
+          <a:blip r:embed="rId3"/>
+          <a:stretch>
+            <a:fillRect/>
+          </a:stretch>
+        </p:blipFill>
+        <p:spPr>
+          <a:xfrm>
+            <a:off x="1345267" y="2472612"/>
+            <a:ext cx="9868467" cy="3387682"/>
+          </a:xfrm>
+          <a:prstGeom prst="rect">
+            <a:avLst/>
+          </a:prstGeom>
+        </p:spPr>
+      </p:pic>
+    </p:spTree>
+    <p:extLst>
+      <p:ext uri="{BB962C8B-B14F-4D97-AF65-F5344CB8AC3E}">
+        <p14:creationId xmlns:p14="http://schemas.microsoft.com/office/powerpoint/2010/main" val="869192330"/>
+      </p:ext>
+    </p:extLst>
+  </p:cSld>
+  <p:clrMapOvr>
+    <a:masterClrMapping/>
+  </p:clrMapOvr>
+  <p:timing>
+    <p:tnLst>
+      <p:par>
+        <p:cTn id="1" dur="indefinite" restart="never" nodeType="tmRoot">
+          <p:childTnLst>
+            <p:seq concurrent="1" nextAc="seek">
+              <p:cTn id="2" dur="indefinite" nodeType="mainSeq">
+                <p:childTnLst>
+                  <p:par>
+                    <p:cTn id="3" fill="hold">
+                      <p:stCondLst>
+                        <p:cond delay="indefinite"/>
+                      </p:stCondLst>
+                      <p:childTnLst>
+                        <p:par>
+                          <p:cTn id="4" fill="hold">
+                            <p:stCondLst>
+                              <p:cond delay="0"/>
+                            </p:stCondLst>
+                            <p:childTnLst>
+                              <p:par>
+                                <p:cTn id="5" presetID="1" presetClass="entr" presetSubtype="0" fill="hold" nodeType="clickEffect">
+                                  <p:stCondLst>
+                                    <p:cond delay="0"/>
+                                  </p:stCondLst>
+                                  <p:childTnLst>
+                                    <p:set>
+                                      <p:cBhvr>
+                                        <p:cTn id="6" dur="1" fill="hold">
+                                          <p:stCondLst>
+                                            <p:cond delay="0"/>
+                                          </p:stCondLst>
+                                        </p:cTn>
+                                        <p:tgtEl>
+                                          <p:spTgt spid="6"/>
+                                        </p:tgtEl>
+                                        <p:attrNameLst>
+                                          <p:attrName>style.visibility</p:attrName>
+                                        </p:attrNameLst>
+                                      </p:cBhvr>
+                                      <p:to>
+                                        <p:strVal val="visible"/>
+                                      </p:to>
+                                    </p:set>
+                                  </p:childTnLst>
+                                </p:cTn>
+                              </p:par>
+                            </p:childTnLst>
+                          </p:cTn>
+                        </p:par>
+                      </p:childTnLst>
+                    </p:cTn>
+                  </p:par>
+                  <p:par>
+                    <p:cTn id="7" fill="hold">
+                      <p:stCondLst>
+                        <p:cond delay="indefinite"/>
+                      </p:stCondLst>
+                      <p:childTnLst>
+                        <p:par>
+                          <p:cTn id="8" fill="hold">
+                            <p:stCondLst>
+                              <p:cond delay="0"/>
+                            </p:stCondLst>
+                            <p:childTnLst>
+                              <p:par>
+                                <p:cTn id="9" presetID="1" presetClass="entr" presetSubtype="0" fill="hold" nodeType="clickEffect">
+                                  <p:stCondLst>
+                                    <p:cond delay="0"/>
+                                  </p:stCondLst>
+                                  <p:childTnLst>
+                                    <p:set>
+                                      <p:cBhvr>
+                                        <p:cTn id="10" dur="1" fill="hold">
+                                          <p:stCondLst>
+                                            <p:cond delay="0"/>
+                                          </p:stCondLst>
+                                        </p:cTn>
+                                        <p:tgtEl>
+                                          <p:spTgt spid="8"/>
+                                        </p:tgtEl>
+                                        <p:attrNameLst>
+                                          <p:attrName>style.visibility</p:attrName>
+                                        </p:attrNameLst>
+                                      </p:cBhvr>
+                                      <p:to>
+                                        <p:strVal val="visible"/>
+                                      </p:to>
+                                    </p:set>
+                                  </p:childTnLst>
+                                </p:cTn>
+                              </p:par>
+                            </p:childTnLst>
+                          </p:cTn>
+                        </p:par>
+                      </p:childTnLst>
+                    </p:cTn>
+                  </p:par>
+                </p:childTnLst>
+              </p:cTn>
+              <p:prevCondLst>
+                <p:cond evt="onPrev" delay="0">
+                  <p:tgtEl>
+                    <p:sldTgt/>
+                  </p:tgtEl>
+                </p:cond>
+              </p:prevCondLst>
+              <p:nextCondLst>
+                <p:cond evt="onNext" delay="0">
+                  <p:tgtEl>
+                    <p:sldTgt/>
+                  </p:tgtEl>
+                </p:cond>
+              </p:nextCondLst>
+            </p:seq>
+          </p:childTnLst>
+        </p:cTn>
+      </p:par>
+    </p:tnLst>
+  </p:timing>
+</p:sld>
+</file>
+
+<file path=ppt/slides/slide23.xml><?xml version="1.0" encoding="utf-8"?>
+<p:sld xmlns:a="http://schemas.openxmlformats.org/drawingml/2006/main" xmlns:r="http://schemas.openxmlformats.org/officeDocument/2006/relationships" xmlns:p="http://schemas.openxmlformats.org/presentationml/2006/main">
+  <p:cSld>
+    <p:spTree>
+      <p:nvGrpSpPr>
+        <p:cNvPr id="1" name=""/>
+        <p:cNvGrpSpPr/>
+        <p:nvPr/>
+      </p:nvGrpSpPr>
+      <p:grpSpPr>
+        <a:xfrm>
+          <a:off x="0" y="0"/>
+          <a:ext cx="0" cy="0"/>
+          <a:chOff x="0" y="0"/>
+          <a:chExt cx="0" cy="0"/>
+        </a:xfrm>
+      </p:grpSpPr>
+      <p:sp>
+        <p:nvSpPr>
+          <p:cNvPr id="2" name="제목 1">
+            <a:extLst>
+              <a:ext uri="{FF2B5EF4-FFF2-40B4-BE49-F238E27FC236}">
+                <a16:creationId xmlns:a16="http://schemas.microsoft.com/office/drawing/2014/main" id="{B279CFB6-26CA-CB28-AC77-A495468A9B95}"/>
+              </a:ext>
+            </a:extLst>
+          </p:cNvPr>
+          <p:cNvSpPr>
+            <a:spLocks noGrp="1"/>
+          </p:cNvSpPr>
+          <p:nvPr>
+            <p:ph type="title"/>
+          </p:nvPr>
+        </p:nvSpPr>
+        <p:spPr/>
+        <p:txBody>
+          <a:bodyPr/>
+          <a:lstStyle/>
+          <a:p>
+            <a:r>
+              <a:rPr lang="ko-KR" altLang="en-US" dirty="0"/>
+              <a:t>시간 펼침 </a:t>
+            </a:r>
+            <a:r>
+              <a:rPr lang="ko-KR" altLang="en-US" dirty="0" err="1"/>
+              <a:t>역전파</a:t>
+            </a:r>
+            <a:r>
+              <a:rPr lang="ko-KR" altLang="en-US" dirty="0"/>
+              <a:t> </a:t>
+            </a:r>
+            <a:r>
+              <a:rPr lang="en-US" altLang="ko-KR" dirty="0"/>
+              <a:t>(</a:t>
+            </a:r>
+            <a:r>
+              <a:rPr lang="en-US" altLang="ko-KR" dirty="0" err="1"/>
+              <a:t>Bptt</a:t>
+            </a:r>
+            <a:r>
+              <a:rPr lang="en-US" altLang="ko-KR" dirty="0"/>
+              <a:t>)</a:t>
+            </a:r>
+            <a:endParaRPr lang="ko-KR" altLang="en-US" dirty="0"/>
+          </a:p>
+        </p:txBody>
+      </p:sp>
+      <p:sp>
+        <p:nvSpPr>
+          <p:cNvPr id="3" name="내용 개체 틀 2">
+            <a:extLst>
+              <a:ext uri="{FF2B5EF4-FFF2-40B4-BE49-F238E27FC236}">
+                <a16:creationId xmlns:a16="http://schemas.microsoft.com/office/drawing/2014/main" id="{F2F21D09-49F4-0B60-6A28-98615CB45845}"/>
+              </a:ext>
+            </a:extLst>
+          </p:cNvPr>
+          <p:cNvSpPr>
+            <a:spLocks noGrp="1"/>
+          </p:cNvSpPr>
+          <p:nvPr>
+            <p:ph idx="1"/>
+          </p:nvPr>
+        </p:nvSpPr>
+        <p:spPr>
+          <a:xfrm>
+            <a:off x="7045251" y="3207258"/>
+            <a:ext cx="4086808" cy="2269812"/>
+          </a:xfrm>
+        </p:spPr>
+        <p:txBody>
+          <a:bodyPr/>
+          <a:lstStyle/>
+          <a:p>
+            <a:r>
+              <a:rPr lang="en-US" altLang="ko-KR" dirty="0"/>
+              <a:t>Back Propagation Through Time</a:t>
+            </a:r>
+          </a:p>
+          <a:p>
+            <a:r>
+              <a:rPr lang="ko-KR" altLang="en-US" dirty="0"/>
+              <a:t>펼쳐진 변수들 동일</a:t>
+            </a:r>
+            <a:endParaRPr lang="en-US" altLang="ko-KR" dirty="0"/>
+          </a:p>
+          <a:p>
+            <a:endParaRPr lang="ko-KR" altLang="en-US" dirty="0"/>
+          </a:p>
+        </p:txBody>
+      </p:sp>
+      <p:sp>
+        <p:nvSpPr>
+          <p:cNvPr id="4" name="슬라이드 번호 개체 틀 3">
+            <a:extLst>
+              <a:ext uri="{FF2B5EF4-FFF2-40B4-BE49-F238E27FC236}">
+                <a16:creationId xmlns:a16="http://schemas.microsoft.com/office/drawing/2014/main" id="{D7A740D3-BA82-5D3B-2FBA-D01089FB59A3}"/>
+              </a:ext>
+            </a:extLst>
+          </p:cNvPr>
+          <p:cNvSpPr>
+            <a:spLocks noGrp="1"/>
+          </p:cNvSpPr>
+          <p:nvPr>
+            <p:ph type="sldNum" sz="quarter" idx="12"/>
+          </p:nvPr>
+        </p:nvSpPr>
+        <p:spPr/>
+        <p:txBody>
+          <a:bodyPr/>
+          <a:lstStyle/>
+          <a:p>
+            <a:fld id="{EBFA42FA-6F20-4D20-ACFC-4B4B58A69DFE}" type="slidenum">
+              <a:rPr lang="ko-KR" altLang="en-US" smtClean="0"/>
+              <a:t>23</a:t>
+            </a:fld>
+            <a:endParaRPr lang="ko-KR" altLang="en-US"/>
+          </a:p>
+        </p:txBody>
+      </p:sp>
+      <p:pic>
+        <p:nvPicPr>
+          <p:cNvPr id="8" name="그림 7">
+            <a:extLst>
+              <a:ext uri="{FF2B5EF4-FFF2-40B4-BE49-F238E27FC236}">
+                <a16:creationId xmlns:a16="http://schemas.microsoft.com/office/drawing/2014/main" id="{B1D1EA45-C6ED-7911-6607-871AF6E0354A}"/>
+              </a:ext>
+            </a:extLst>
+          </p:cNvPr>
+          <p:cNvPicPr>
+            <a:picLocks noChangeAspect="1"/>
+          </p:cNvPicPr>
+          <p:nvPr/>
+        </p:nvPicPr>
+        <p:blipFill>
+          <a:blip r:embed="rId2"/>
+          <a:stretch>
+            <a:fillRect/>
+          </a:stretch>
+        </p:blipFill>
+        <p:spPr>
+          <a:xfrm>
+            <a:off x="505602" y="2875578"/>
+            <a:ext cx="5740069" cy="2078977"/>
+          </a:xfrm>
+          <a:prstGeom prst="rect">
+            <a:avLst/>
+          </a:prstGeom>
+        </p:spPr>
+      </p:pic>
+    </p:spTree>
+    <p:extLst>
+      <p:ext uri="{BB962C8B-B14F-4D97-AF65-F5344CB8AC3E}">
+        <p14:creationId xmlns:p14="http://schemas.microsoft.com/office/powerpoint/2010/main" val="1331945883"/>
+      </p:ext>
+    </p:extLst>
+  </p:cSld>
+  <p:clrMapOvr>
+    <a:masterClrMapping/>
+  </p:clrMapOvr>
+</p:sld>
+</file>
+
+<file path=ppt/slides/slide24.xml><?xml version="1.0" encoding="utf-8"?>
+<p:sld xmlns:a="http://schemas.openxmlformats.org/drawingml/2006/main" xmlns:r="http://schemas.openxmlformats.org/officeDocument/2006/relationships" xmlns:p="http://schemas.openxmlformats.org/presentationml/2006/main">
+  <p:cSld>
+    <p:spTree>
+      <p:nvGrpSpPr>
+        <p:cNvPr id="1" name=""/>
+        <p:cNvGrpSpPr/>
+        <p:nvPr/>
+      </p:nvGrpSpPr>
+      <p:grpSpPr>
+        <a:xfrm>
+          <a:off x="0" y="0"/>
+          <a:ext cx="0" cy="0"/>
+          <a:chOff x="0" y="0"/>
+          <a:chExt cx="0" cy="0"/>
+        </a:xfrm>
+      </p:grpSpPr>
+      <p:sp>
+        <p:nvSpPr>
+          <p:cNvPr id="2" name="제목 1">
+            <a:extLst>
+              <a:ext uri="{FF2B5EF4-FFF2-40B4-BE49-F238E27FC236}">
+                <a16:creationId xmlns:a16="http://schemas.microsoft.com/office/drawing/2014/main" id="{70DE630F-20A2-D004-1890-13AD2D2EF3A7}"/>
+              </a:ext>
+            </a:extLst>
+          </p:cNvPr>
+          <p:cNvSpPr>
+            <a:spLocks noGrp="1"/>
+          </p:cNvSpPr>
+          <p:nvPr>
+            <p:ph type="title"/>
+          </p:nvPr>
+        </p:nvSpPr>
+        <p:spPr/>
+        <p:txBody>
+          <a:bodyPr/>
+          <a:lstStyle/>
+          <a:p>
+            <a:r>
+              <a:rPr lang="ko-KR" altLang="en-US" dirty="0"/>
+              <a:t>데이터 입력</a:t>
+            </a:r>
+          </a:p>
+        </p:txBody>
+      </p:sp>
+      <p:sp>
+        <p:nvSpPr>
+          <p:cNvPr id="3" name="내용 개체 틀 2">
+            <a:extLst>
+              <a:ext uri="{FF2B5EF4-FFF2-40B4-BE49-F238E27FC236}">
+                <a16:creationId xmlns:a16="http://schemas.microsoft.com/office/drawing/2014/main" id="{3CE57941-9876-0084-D3A9-286782A74ADA}"/>
+              </a:ext>
+            </a:extLst>
+          </p:cNvPr>
+          <p:cNvSpPr>
+            <a:spLocks noGrp="1"/>
+          </p:cNvSpPr>
+          <p:nvPr>
+            <p:ph idx="1"/>
+          </p:nvPr>
+        </p:nvSpPr>
+        <p:spPr>
+          <a:xfrm>
+            <a:off x="7595117" y="2011680"/>
+            <a:ext cx="4010073" cy="4206240"/>
+          </a:xfrm>
+        </p:spPr>
+        <p:txBody>
+          <a:bodyPr/>
+          <a:lstStyle/>
+          <a:p>
+            <a:endParaRPr lang="ko-KR" altLang="en-US" dirty="0"/>
+          </a:p>
+        </p:txBody>
+      </p:sp>
+      <p:sp>
+        <p:nvSpPr>
+          <p:cNvPr id="4" name="슬라이드 번호 개체 틀 3">
+            <a:extLst>
+              <a:ext uri="{FF2B5EF4-FFF2-40B4-BE49-F238E27FC236}">
+                <a16:creationId xmlns:a16="http://schemas.microsoft.com/office/drawing/2014/main" id="{18E61986-D965-0298-7535-531530F93464}"/>
+              </a:ext>
+            </a:extLst>
+          </p:cNvPr>
+          <p:cNvSpPr>
+            <a:spLocks noGrp="1"/>
+          </p:cNvSpPr>
+          <p:nvPr>
+            <p:ph type="sldNum" sz="quarter" idx="12"/>
+          </p:nvPr>
+        </p:nvSpPr>
+        <p:spPr/>
+        <p:txBody>
+          <a:bodyPr/>
+          <a:lstStyle/>
+          <a:p>
+            <a:fld id="{EBFA42FA-6F20-4D20-ACFC-4B4B58A69DFE}" type="slidenum">
+              <a:rPr lang="ko-KR" altLang="en-US" smtClean="0"/>
+              <a:t>24</a:t>
+            </a:fld>
+            <a:endParaRPr lang="ko-KR" altLang="en-US"/>
+          </a:p>
+        </p:txBody>
+      </p:sp>
+      <p:pic>
+        <p:nvPicPr>
+          <p:cNvPr id="6" name="그림 5">
+            <a:extLst>
+              <a:ext uri="{FF2B5EF4-FFF2-40B4-BE49-F238E27FC236}">
+                <a16:creationId xmlns:a16="http://schemas.microsoft.com/office/drawing/2014/main" id="{75E347C1-6D46-507A-7FBE-80A5FCA674DB}"/>
+              </a:ext>
+            </a:extLst>
+          </p:cNvPr>
+          <p:cNvPicPr>
+            <a:picLocks noChangeAspect="1"/>
+          </p:cNvPicPr>
+          <p:nvPr/>
+        </p:nvPicPr>
+        <p:blipFill>
+          <a:blip r:embed="rId2"/>
+          <a:stretch>
+            <a:fillRect/>
+          </a:stretch>
+        </p:blipFill>
+        <p:spPr>
+          <a:xfrm>
+            <a:off x="2231474" y="2536060"/>
+            <a:ext cx="7017459" cy="3157479"/>
+          </a:xfrm>
+          <a:prstGeom prst="rect">
+            <a:avLst/>
+          </a:prstGeom>
+        </p:spPr>
+      </p:pic>
+    </p:spTree>
+    <p:extLst>
+      <p:ext uri="{BB962C8B-B14F-4D97-AF65-F5344CB8AC3E}">
+        <p14:creationId xmlns:p14="http://schemas.microsoft.com/office/powerpoint/2010/main" val="1162565070"/>
+      </p:ext>
+    </p:extLst>
+  </p:cSld>
+  <p:clrMapOvr>
+    <a:masterClrMapping/>
+  </p:clrMapOvr>
+</p:sld>
+</file>
+
+<file path=ppt/slides/slide25.xml><?xml version="1.0" encoding="utf-8"?>
+<p:sld xmlns:a="http://schemas.openxmlformats.org/drawingml/2006/main" xmlns:r="http://schemas.openxmlformats.org/officeDocument/2006/relationships" xmlns:p="http://schemas.openxmlformats.org/presentationml/2006/main">
+  <p:cSld>
+    <p:spTree>
+      <p:nvGrpSpPr>
+        <p:cNvPr id="1" name=""/>
+        <p:cNvGrpSpPr/>
+        <p:nvPr/>
+      </p:nvGrpSpPr>
+      <p:grpSpPr>
+        <a:xfrm>
+          <a:off x="0" y="0"/>
+          <a:ext cx="0" cy="0"/>
+          <a:chOff x="0" y="0"/>
+          <a:chExt cx="0" cy="0"/>
+        </a:xfrm>
+      </p:grpSpPr>
+      <p:sp>
+        <p:nvSpPr>
+          <p:cNvPr id="2" name="제목 1">
+            <a:extLst>
+              <a:ext uri="{FF2B5EF4-FFF2-40B4-BE49-F238E27FC236}">
+                <a16:creationId xmlns:a16="http://schemas.microsoft.com/office/drawing/2014/main" id="{F32DFB75-4BFC-24C8-2368-4A9F881751B8}"/>
+              </a:ext>
+            </a:extLst>
+          </p:cNvPr>
+          <p:cNvSpPr>
+            <a:spLocks noGrp="1"/>
+          </p:cNvSpPr>
+          <p:nvPr>
+            <p:ph type="title"/>
+          </p:nvPr>
+        </p:nvSpPr>
+        <p:spPr/>
+        <p:txBody>
+          <a:bodyPr/>
+          <a:lstStyle/>
+          <a:p>
+            <a:r>
+              <a:rPr lang="en-US" altLang="ko-KR" dirty="0" err="1"/>
+              <a:t>Bptt</a:t>
+            </a:r>
+            <a:r>
+              <a:rPr lang="ko-KR" altLang="en-US" dirty="0"/>
+              <a:t>의 배치 학습법</a:t>
+            </a:r>
+          </a:p>
+        </p:txBody>
+      </p:sp>
+      <p:sp>
+        <p:nvSpPr>
+          <p:cNvPr id="3" name="내용 개체 틀 2">
+            <a:extLst>
+              <a:ext uri="{FF2B5EF4-FFF2-40B4-BE49-F238E27FC236}">
+                <a16:creationId xmlns:a16="http://schemas.microsoft.com/office/drawing/2014/main" id="{CB72F0AA-FB5E-FB07-5366-3F4E4828B3AA}"/>
+              </a:ext>
+            </a:extLst>
+          </p:cNvPr>
+          <p:cNvSpPr>
+            <a:spLocks noGrp="1"/>
+          </p:cNvSpPr>
+          <p:nvPr>
+            <p:ph idx="1"/>
+          </p:nvPr>
+        </p:nvSpPr>
+        <p:spPr>
+          <a:xfrm>
+            <a:off x="6876662" y="2515534"/>
+            <a:ext cx="4390256" cy="2597982"/>
+          </a:xfrm>
+        </p:spPr>
+        <p:txBody>
+          <a:bodyPr/>
+          <a:lstStyle/>
+          <a:p>
+            <a:r>
+              <a:rPr lang="ko-KR" altLang="en-US" dirty="0"/>
+              <a:t>역전파를 위한 추가적인 메모리 필요</a:t>
+            </a:r>
+            <a:endParaRPr lang="en-US" altLang="ko-KR" dirty="0"/>
+          </a:p>
+          <a:p>
+            <a:r>
+              <a:rPr lang="en-US" altLang="ko-KR" dirty="0"/>
+              <a:t>Batch </a:t>
+            </a:r>
+            <a:r>
+              <a:rPr lang="ko-KR" altLang="en-US" dirty="0"/>
+              <a:t>키우기 제한</a:t>
+            </a:r>
+          </a:p>
+        </p:txBody>
+      </p:sp>
+      <p:sp>
+        <p:nvSpPr>
+          <p:cNvPr id="4" name="슬라이드 번호 개체 틀 3">
+            <a:extLst>
+              <a:ext uri="{FF2B5EF4-FFF2-40B4-BE49-F238E27FC236}">
+                <a16:creationId xmlns:a16="http://schemas.microsoft.com/office/drawing/2014/main" id="{38DF858F-B6FA-4F14-18DD-74FADF4A27FF}"/>
+              </a:ext>
+            </a:extLst>
+          </p:cNvPr>
+          <p:cNvSpPr>
+            <a:spLocks noGrp="1"/>
+          </p:cNvSpPr>
+          <p:nvPr>
+            <p:ph type="sldNum" sz="quarter" idx="12"/>
+          </p:nvPr>
+        </p:nvSpPr>
+        <p:spPr/>
+        <p:txBody>
+          <a:bodyPr/>
+          <a:lstStyle/>
+          <a:p>
+            <a:fld id="{EBFA42FA-6F20-4D20-ACFC-4B4B58A69DFE}" type="slidenum">
+              <a:rPr lang="ko-KR" altLang="en-US" smtClean="0"/>
+              <a:t>25</a:t>
+            </a:fld>
+            <a:endParaRPr lang="ko-KR" altLang="en-US"/>
+          </a:p>
+        </p:txBody>
+      </p:sp>
+      <p:pic>
+        <p:nvPicPr>
+          <p:cNvPr id="6" name="그림 5">
+            <a:extLst>
+              <a:ext uri="{FF2B5EF4-FFF2-40B4-BE49-F238E27FC236}">
+                <a16:creationId xmlns:a16="http://schemas.microsoft.com/office/drawing/2014/main" id="{0AEA3235-5028-7662-50D8-0A6C8F983A7D}"/>
+              </a:ext>
+            </a:extLst>
+          </p:cNvPr>
+          <p:cNvPicPr>
+            <a:picLocks noChangeAspect="1"/>
+          </p:cNvPicPr>
+          <p:nvPr/>
+        </p:nvPicPr>
+        <p:blipFill>
+          <a:blip r:embed="rId2"/>
+          <a:stretch>
+            <a:fillRect/>
+          </a:stretch>
+        </p:blipFill>
+        <p:spPr>
+          <a:xfrm>
+            <a:off x="549633" y="2515534"/>
+            <a:ext cx="6047110" cy="2746932"/>
+          </a:xfrm>
+          <a:prstGeom prst="rect">
+            <a:avLst/>
+          </a:prstGeom>
+        </p:spPr>
+      </p:pic>
+    </p:spTree>
+    <p:extLst>
+      <p:ext uri="{BB962C8B-B14F-4D97-AF65-F5344CB8AC3E}">
+        <p14:creationId xmlns:p14="http://schemas.microsoft.com/office/powerpoint/2010/main" val="1961977046"/>
+      </p:ext>
+    </p:extLst>
+  </p:cSld>
+  <p:clrMapOvr>
+    <a:masterClrMapping/>
+  </p:clrMapOvr>
+</p:sld>
+</file>
+
+<file path=ppt/slides/slide26.xml><?xml version="1.0" encoding="utf-8"?>
+<p:sld xmlns:a="http://schemas.openxmlformats.org/drawingml/2006/main" xmlns:r="http://schemas.openxmlformats.org/officeDocument/2006/relationships" xmlns:p="http://schemas.openxmlformats.org/presentationml/2006/main">
+  <p:cSld>
+    <p:spTree>
+      <p:nvGrpSpPr>
+        <p:cNvPr id="1" name=""/>
+        <p:cNvGrpSpPr/>
+        <p:nvPr/>
+      </p:nvGrpSpPr>
+      <p:grpSpPr>
+        <a:xfrm>
+          <a:off x="0" y="0"/>
+          <a:ext cx="0" cy="0"/>
+          <a:chOff x="0" y="0"/>
+          <a:chExt cx="0" cy="0"/>
+        </a:xfrm>
+      </p:grpSpPr>
+      <p:sp>
+        <p:nvSpPr>
+          <p:cNvPr id="2" name="제목 1">
+            <a:extLst>
+              <a:ext uri="{FF2B5EF4-FFF2-40B4-BE49-F238E27FC236}">
+                <a16:creationId xmlns:a16="http://schemas.microsoft.com/office/drawing/2014/main" id="{D8193020-542B-2F8A-FDC1-51913346EE4C}"/>
+              </a:ext>
+            </a:extLst>
+          </p:cNvPr>
+          <p:cNvSpPr>
+            <a:spLocks noGrp="1"/>
+          </p:cNvSpPr>
+          <p:nvPr>
+            <p:ph type="title"/>
+          </p:nvPr>
+        </p:nvSpPr>
+        <p:spPr/>
+        <p:txBody>
+          <a:bodyPr/>
+          <a:lstStyle/>
+          <a:p>
+            <a:r>
+              <a:rPr lang="en-US" altLang="ko-KR" dirty="0"/>
+              <a:t>Truncated</a:t>
+            </a:r>
+            <a:r>
+              <a:rPr lang="ko-KR" altLang="en-US" dirty="0"/>
+              <a:t> </a:t>
+            </a:r>
+            <a:r>
+              <a:rPr lang="en-US" altLang="ko-KR" dirty="0" err="1"/>
+              <a:t>bptt</a:t>
+            </a:r>
+            <a:endParaRPr lang="ko-KR" altLang="en-US" dirty="0"/>
+          </a:p>
+        </p:txBody>
+      </p:sp>
+      <p:sp>
+        <p:nvSpPr>
+          <p:cNvPr id="3" name="내용 개체 틀 2">
+            <a:extLst>
+              <a:ext uri="{FF2B5EF4-FFF2-40B4-BE49-F238E27FC236}">
+                <a16:creationId xmlns:a16="http://schemas.microsoft.com/office/drawing/2014/main" id="{708B6DD3-9EF1-62FE-7B9A-A0D21CBCC299}"/>
+              </a:ext>
+            </a:extLst>
+          </p:cNvPr>
+          <p:cNvSpPr>
+            <a:spLocks noGrp="1"/>
+          </p:cNvSpPr>
+          <p:nvPr>
+            <p:ph idx="1"/>
+          </p:nvPr>
+        </p:nvSpPr>
+        <p:spPr>
+          <a:xfrm>
+            <a:off x="7548464" y="3545632"/>
+            <a:ext cx="3914395" cy="2877221"/>
+          </a:xfrm>
+        </p:spPr>
+        <p:txBody>
+          <a:bodyPr/>
+          <a:lstStyle/>
+          <a:p>
+            <a:r>
+              <a:rPr lang="ko-KR" altLang="en-US" dirty="0"/>
+              <a:t>다중 입력</a:t>
+            </a:r>
+            <a:r>
+              <a:rPr lang="en-US" altLang="ko-KR" dirty="0"/>
+              <a:t>, </a:t>
+            </a:r>
+            <a:r>
+              <a:rPr lang="ko-KR" altLang="en-US" dirty="0"/>
+              <a:t>다중 출력 </a:t>
+            </a:r>
+            <a:endParaRPr lang="en-US" altLang="ko-KR" dirty="0"/>
+          </a:p>
+          <a:p>
+            <a:pPr marL="0" indent="0">
+              <a:buNone/>
+            </a:pPr>
+            <a:r>
+              <a:rPr lang="en-US" altLang="ko-KR" dirty="0"/>
+              <a:t>– </a:t>
+            </a:r>
+            <a:r>
+              <a:rPr lang="ko-KR" altLang="en-US" dirty="0"/>
+              <a:t>메모리 문제 해결 가능</a:t>
+            </a:r>
+            <a:endParaRPr lang="en-US" altLang="ko-KR" dirty="0"/>
+          </a:p>
+          <a:p>
+            <a:pPr marL="0" indent="0">
+              <a:buNone/>
+            </a:pPr>
+            <a:endParaRPr lang="ko-KR" altLang="en-US" dirty="0"/>
+          </a:p>
+        </p:txBody>
+      </p:sp>
+      <p:sp>
+        <p:nvSpPr>
+          <p:cNvPr id="4" name="슬라이드 번호 개체 틀 3">
+            <a:extLst>
+              <a:ext uri="{FF2B5EF4-FFF2-40B4-BE49-F238E27FC236}">
+                <a16:creationId xmlns:a16="http://schemas.microsoft.com/office/drawing/2014/main" id="{05341826-4B1B-DBF3-DE2E-B608B5E07A53}"/>
+              </a:ext>
+            </a:extLst>
+          </p:cNvPr>
+          <p:cNvSpPr>
+            <a:spLocks noGrp="1"/>
+          </p:cNvSpPr>
+          <p:nvPr>
+            <p:ph type="sldNum" sz="quarter" idx="12"/>
+          </p:nvPr>
+        </p:nvSpPr>
+        <p:spPr/>
+        <p:txBody>
+          <a:bodyPr/>
+          <a:lstStyle/>
+          <a:p>
+            <a:fld id="{EBFA42FA-6F20-4D20-ACFC-4B4B58A69DFE}" type="slidenum">
+              <a:rPr lang="ko-KR" altLang="en-US" smtClean="0"/>
+              <a:t>26</a:t>
+            </a:fld>
+            <a:endParaRPr lang="ko-KR" altLang="en-US"/>
+          </a:p>
+        </p:txBody>
+      </p:sp>
+      <p:pic>
+        <p:nvPicPr>
+          <p:cNvPr id="6" name="그림 5">
+            <a:extLst>
+              <a:ext uri="{FF2B5EF4-FFF2-40B4-BE49-F238E27FC236}">
+                <a16:creationId xmlns:a16="http://schemas.microsoft.com/office/drawing/2014/main" id="{5CB3F67A-A0A8-717A-0C2C-D6558534F49A}"/>
+              </a:ext>
+            </a:extLst>
+          </p:cNvPr>
+          <p:cNvPicPr>
+            <a:picLocks noChangeAspect="1"/>
+          </p:cNvPicPr>
+          <p:nvPr/>
+        </p:nvPicPr>
+        <p:blipFill>
+          <a:blip r:embed="rId2"/>
+          <a:stretch>
+            <a:fillRect/>
+          </a:stretch>
+        </p:blipFill>
+        <p:spPr>
+          <a:xfrm>
+            <a:off x="699248" y="3105829"/>
+            <a:ext cx="6687454" cy="2109983"/>
+          </a:xfrm>
+          <a:prstGeom prst="rect">
+            <a:avLst/>
+          </a:prstGeom>
+        </p:spPr>
+      </p:pic>
+    </p:spTree>
+    <p:extLst>
+      <p:ext uri="{BB962C8B-B14F-4D97-AF65-F5344CB8AC3E}">
+        <p14:creationId xmlns:p14="http://schemas.microsoft.com/office/powerpoint/2010/main" val="971909610"/>
+      </p:ext>
+    </p:extLst>
+  </p:cSld>
+  <p:clrMapOvr>
+    <a:masterClrMapping/>
+  </p:clrMapOvr>
+</p:sld>
+</file>
+
+<file path=ppt/slides/slide27.xml><?xml version="1.0" encoding="utf-8"?>
+<p:sld xmlns:a="http://schemas.openxmlformats.org/drawingml/2006/main" xmlns:r="http://schemas.openxmlformats.org/officeDocument/2006/relationships" xmlns:p="http://schemas.openxmlformats.org/presentationml/2006/main">
+  <p:cSld>
+    <p:spTree>
+      <p:nvGrpSpPr>
+        <p:cNvPr id="1" name=""/>
+        <p:cNvGrpSpPr/>
+        <p:nvPr/>
+      </p:nvGrpSpPr>
+      <p:grpSpPr>
+        <a:xfrm>
+          <a:off x="0" y="0"/>
+          <a:ext cx="0" cy="0"/>
+          <a:chOff x="0" y="0"/>
+          <a:chExt cx="0" cy="0"/>
+        </a:xfrm>
+      </p:grpSpPr>
+      <p:sp>
+        <p:nvSpPr>
+          <p:cNvPr id="2" name="제목 1">
+            <a:extLst>
+              <a:ext uri="{FF2B5EF4-FFF2-40B4-BE49-F238E27FC236}">
+                <a16:creationId xmlns:a16="http://schemas.microsoft.com/office/drawing/2014/main" id="{FE0627F3-6A29-8A3E-2695-70BF1749A259}"/>
+              </a:ext>
+            </a:extLst>
+          </p:cNvPr>
+          <p:cNvSpPr>
+            <a:spLocks noGrp="1"/>
+          </p:cNvSpPr>
+          <p:nvPr>
+            <p:ph type="title"/>
+          </p:nvPr>
+        </p:nvSpPr>
+        <p:spPr/>
+        <p:txBody>
+          <a:bodyPr/>
+          <a:lstStyle/>
+          <a:p>
+            <a:r>
+              <a:rPr lang="en-US" altLang="ko-KR" dirty="0"/>
+              <a:t>Truncated </a:t>
+            </a:r>
+            <a:r>
+              <a:rPr lang="en-US" altLang="ko-KR" dirty="0" err="1"/>
+              <a:t>bptt</a:t>
+            </a:r>
+            <a:endParaRPr lang="ko-KR" altLang="en-US" dirty="0"/>
+          </a:p>
+        </p:txBody>
+      </p:sp>
+      <p:sp>
+        <p:nvSpPr>
+          <p:cNvPr id="3" name="내용 개체 틀 2">
+            <a:extLst>
+              <a:ext uri="{FF2B5EF4-FFF2-40B4-BE49-F238E27FC236}">
+                <a16:creationId xmlns:a16="http://schemas.microsoft.com/office/drawing/2014/main" id="{24F1F6CE-DA63-57F8-36D7-E47F178FCA5F}"/>
+              </a:ext>
+            </a:extLst>
+          </p:cNvPr>
+          <p:cNvSpPr>
+            <a:spLocks noGrp="1"/>
+          </p:cNvSpPr>
+          <p:nvPr>
+            <p:ph idx="1"/>
+          </p:nvPr>
+        </p:nvSpPr>
+        <p:spPr>
+          <a:xfrm>
+            <a:off x="6531429" y="2011680"/>
+            <a:ext cx="4455570" cy="4206240"/>
+          </a:xfrm>
+        </p:spPr>
+        <p:txBody>
+          <a:bodyPr/>
+          <a:lstStyle/>
+          <a:p>
+            <a:endParaRPr lang="ko-KR" altLang="en-US" dirty="0"/>
+          </a:p>
+        </p:txBody>
+      </p:sp>
+      <p:sp>
+        <p:nvSpPr>
+          <p:cNvPr id="4" name="슬라이드 번호 개체 틀 3">
+            <a:extLst>
+              <a:ext uri="{FF2B5EF4-FFF2-40B4-BE49-F238E27FC236}">
+                <a16:creationId xmlns:a16="http://schemas.microsoft.com/office/drawing/2014/main" id="{58FA81B2-E22B-3B17-1242-8249455CD10C}"/>
+              </a:ext>
+            </a:extLst>
+          </p:cNvPr>
+          <p:cNvSpPr>
+            <a:spLocks noGrp="1"/>
+          </p:cNvSpPr>
+          <p:nvPr>
+            <p:ph type="sldNum" sz="quarter" idx="12"/>
+          </p:nvPr>
+        </p:nvSpPr>
+        <p:spPr/>
+        <p:txBody>
+          <a:bodyPr/>
+          <a:lstStyle/>
+          <a:p>
+            <a:fld id="{EBFA42FA-6F20-4D20-ACFC-4B4B58A69DFE}" type="slidenum">
+              <a:rPr lang="ko-KR" altLang="en-US" smtClean="0"/>
+              <a:t>27</a:t>
+            </a:fld>
+            <a:endParaRPr lang="ko-KR" altLang="en-US"/>
+          </a:p>
+        </p:txBody>
+      </p:sp>
+      <p:pic>
+        <p:nvPicPr>
+          <p:cNvPr id="6" name="그림 5">
+            <a:extLst>
+              <a:ext uri="{FF2B5EF4-FFF2-40B4-BE49-F238E27FC236}">
+                <a16:creationId xmlns:a16="http://schemas.microsoft.com/office/drawing/2014/main" id="{DB8839A5-5795-D408-5C7E-2128F7E55DEC}"/>
+              </a:ext>
+            </a:extLst>
+          </p:cNvPr>
+          <p:cNvPicPr>
+            <a:picLocks noChangeAspect="1"/>
+          </p:cNvPicPr>
+          <p:nvPr/>
+        </p:nvPicPr>
+        <p:blipFill>
+          <a:blip r:embed="rId2"/>
+          <a:stretch>
+            <a:fillRect/>
+          </a:stretch>
+        </p:blipFill>
+        <p:spPr>
+          <a:xfrm>
+            <a:off x="1240972" y="2147887"/>
+            <a:ext cx="8839200" cy="3933825"/>
+          </a:xfrm>
+          <a:prstGeom prst="rect">
+            <a:avLst/>
+          </a:prstGeom>
+        </p:spPr>
+      </p:pic>
+    </p:spTree>
+    <p:extLst>
+      <p:ext uri="{BB962C8B-B14F-4D97-AF65-F5344CB8AC3E}">
+        <p14:creationId xmlns:p14="http://schemas.microsoft.com/office/powerpoint/2010/main" val="3922945139"/>
+      </p:ext>
+    </p:extLst>
+  </p:cSld>
+  <p:clrMapOvr>
+    <a:masterClrMapping/>
+  </p:clrMapOvr>
+</p:sld>
+</file>
+
+<file path=ppt/slides/slide28.xml><?xml version="1.0" encoding="utf-8"?>
+<p:sld xmlns:a="http://schemas.openxmlformats.org/drawingml/2006/main" xmlns:r="http://schemas.openxmlformats.org/officeDocument/2006/relationships" xmlns:p="http://schemas.openxmlformats.org/presentationml/2006/main">
+  <p:cSld>
+    <p:spTree>
+      <p:nvGrpSpPr>
+        <p:cNvPr id="1" name=""/>
+        <p:cNvGrpSpPr/>
+        <p:nvPr/>
+      </p:nvGrpSpPr>
+      <p:grpSpPr>
+        <a:xfrm>
+          <a:off x="0" y="0"/>
+          <a:ext cx="0" cy="0"/>
+          <a:chOff x="0" y="0"/>
+          <a:chExt cx="0" cy="0"/>
+        </a:xfrm>
+      </p:grpSpPr>
+      <p:sp>
+        <p:nvSpPr>
+          <p:cNvPr id="2" name="제목 1">
+            <a:extLst>
+              <a:ext uri="{FF2B5EF4-FFF2-40B4-BE49-F238E27FC236}">
+                <a16:creationId xmlns:a16="http://schemas.microsoft.com/office/drawing/2014/main" id="{092BF544-04CA-CC5D-0011-045C613A3DB7}"/>
+              </a:ext>
+            </a:extLst>
+          </p:cNvPr>
+          <p:cNvSpPr>
+            <a:spLocks noGrp="1"/>
+          </p:cNvSpPr>
+          <p:nvPr>
+            <p:ph type="title"/>
+          </p:nvPr>
+        </p:nvSpPr>
+        <p:spPr/>
+        <p:txBody>
+          <a:bodyPr/>
+          <a:lstStyle/>
+          <a:p>
+            <a:r>
+              <a:rPr lang="en-US" altLang="ko-KR" dirty="0"/>
+              <a:t>Truncated </a:t>
+            </a:r>
+            <a:r>
+              <a:rPr lang="en-US" altLang="ko-KR" dirty="0" err="1"/>
+              <a:t>bptt</a:t>
+            </a:r>
+            <a:endParaRPr lang="ko-KR" altLang="en-US" dirty="0"/>
+          </a:p>
+        </p:txBody>
+      </p:sp>
+      <p:sp>
+        <p:nvSpPr>
+          <p:cNvPr id="3" name="내용 개체 틀 2">
+            <a:extLst>
+              <a:ext uri="{FF2B5EF4-FFF2-40B4-BE49-F238E27FC236}">
+                <a16:creationId xmlns:a16="http://schemas.microsoft.com/office/drawing/2014/main" id="{71EAD27D-DFB8-7665-8AD7-6C6465969C93}"/>
+              </a:ext>
+            </a:extLst>
+          </p:cNvPr>
+          <p:cNvSpPr>
+            <a:spLocks noGrp="1"/>
+          </p:cNvSpPr>
+          <p:nvPr>
+            <p:ph idx="1"/>
+          </p:nvPr>
+        </p:nvSpPr>
+        <p:spPr>
+          <a:xfrm>
+            <a:off x="7651102" y="3209730"/>
+            <a:ext cx="4161453" cy="2833733"/>
+          </a:xfrm>
+        </p:spPr>
+        <p:txBody>
+          <a:bodyPr/>
+          <a:lstStyle/>
+          <a:p>
+            <a:r>
+              <a:rPr lang="ko-KR" altLang="en-US" dirty="0"/>
+              <a:t>순차데이터 길이 </a:t>
+            </a:r>
+            <a:r>
+              <a:rPr lang="en-US" altLang="ko-KR" dirty="0"/>
+              <a:t>L -&gt; T</a:t>
+            </a:r>
+            <a:r>
+              <a:rPr lang="ko-KR" altLang="en-US" dirty="0"/>
+              <a:t>로 쪼갬</a:t>
+            </a:r>
+            <a:endParaRPr lang="en-US" altLang="ko-KR" dirty="0"/>
+          </a:p>
+          <a:p>
+            <a:r>
+              <a:rPr lang="ko-KR" altLang="en-US" dirty="0" err="1"/>
+              <a:t>역전파</a:t>
+            </a:r>
+            <a:r>
+              <a:rPr lang="ko-KR" altLang="en-US" dirty="0"/>
+              <a:t> 길이 제한으로 메모리 감소</a:t>
+            </a:r>
+            <a:endParaRPr lang="en-US" altLang="ko-KR" dirty="0"/>
+          </a:p>
+          <a:p>
+            <a:pPr marL="0" indent="0">
+              <a:buNone/>
+            </a:pPr>
+            <a:r>
+              <a:rPr lang="en-US" altLang="ko-KR" dirty="0"/>
+              <a:t>    </a:t>
+            </a:r>
+            <a:endParaRPr lang="ko-KR" altLang="en-US" dirty="0"/>
+          </a:p>
+        </p:txBody>
+      </p:sp>
+      <p:sp>
+        <p:nvSpPr>
+          <p:cNvPr id="4" name="슬라이드 번호 개체 틀 3">
+            <a:extLst>
+              <a:ext uri="{FF2B5EF4-FFF2-40B4-BE49-F238E27FC236}">
+                <a16:creationId xmlns:a16="http://schemas.microsoft.com/office/drawing/2014/main" id="{F08874E0-0AE6-AB37-48CD-715AADF609F4}"/>
+              </a:ext>
+            </a:extLst>
+          </p:cNvPr>
+          <p:cNvSpPr>
+            <a:spLocks noGrp="1"/>
+          </p:cNvSpPr>
+          <p:nvPr>
+            <p:ph type="sldNum" sz="quarter" idx="12"/>
+          </p:nvPr>
+        </p:nvSpPr>
+        <p:spPr/>
+        <p:txBody>
+          <a:bodyPr/>
+          <a:lstStyle/>
+          <a:p>
+            <a:fld id="{EBFA42FA-6F20-4D20-ACFC-4B4B58A69DFE}" type="slidenum">
+              <a:rPr lang="ko-KR" altLang="en-US" smtClean="0"/>
+              <a:t>28</a:t>
+            </a:fld>
+            <a:endParaRPr lang="ko-KR" altLang="en-US"/>
+          </a:p>
+        </p:txBody>
+      </p:sp>
+      <p:pic>
+        <p:nvPicPr>
+          <p:cNvPr id="6" name="그림 5">
+            <a:extLst>
+              <a:ext uri="{FF2B5EF4-FFF2-40B4-BE49-F238E27FC236}">
+                <a16:creationId xmlns:a16="http://schemas.microsoft.com/office/drawing/2014/main" id="{75E61144-E180-0E10-743F-108C07A1F44E}"/>
+              </a:ext>
+            </a:extLst>
+          </p:cNvPr>
+          <p:cNvPicPr>
+            <a:picLocks noChangeAspect="1"/>
+          </p:cNvPicPr>
+          <p:nvPr/>
+        </p:nvPicPr>
+        <p:blipFill>
+          <a:blip r:embed="rId2"/>
+          <a:stretch>
+            <a:fillRect/>
+          </a:stretch>
+        </p:blipFill>
+        <p:spPr>
+          <a:xfrm>
+            <a:off x="634870" y="2525871"/>
+            <a:ext cx="6932256" cy="2920432"/>
+          </a:xfrm>
+          <a:prstGeom prst="rect">
+            <a:avLst/>
+          </a:prstGeom>
+        </p:spPr>
+      </p:pic>
+    </p:spTree>
+    <p:extLst>
+      <p:ext uri="{BB962C8B-B14F-4D97-AF65-F5344CB8AC3E}">
+        <p14:creationId xmlns:p14="http://schemas.microsoft.com/office/powerpoint/2010/main" val="513541421"/>
+      </p:ext>
+    </p:extLst>
+  </p:cSld>
+  <p:clrMapOvr>
+    <a:masterClrMapping/>
+  </p:clrMapOvr>
+</p:sld>
+</file>
+
+<file path=ppt/slides/slide29.xml><?xml version="1.0" encoding="utf-8"?>
+<p:sld xmlns:a="http://schemas.openxmlformats.org/drawingml/2006/main" xmlns:r="http://schemas.openxmlformats.org/officeDocument/2006/relationships" xmlns:p="http://schemas.openxmlformats.org/presentationml/2006/main">
+  <p:cSld>
+    <p:spTree>
+      <p:nvGrpSpPr>
+        <p:cNvPr id="1" name=""/>
+        <p:cNvGrpSpPr/>
+        <p:nvPr/>
+      </p:nvGrpSpPr>
+      <p:grpSpPr>
+        <a:xfrm>
+          <a:off x="0" y="0"/>
+          <a:ext cx="0" cy="0"/>
+          <a:chOff x="0" y="0"/>
+          <a:chExt cx="0" cy="0"/>
+        </a:xfrm>
+      </p:grpSpPr>
+      <p:sp>
+        <p:nvSpPr>
+          <p:cNvPr id="2" name="제목 1">
+            <a:extLst>
+              <a:ext uri="{FF2B5EF4-FFF2-40B4-BE49-F238E27FC236}">
+                <a16:creationId xmlns:a16="http://schemas.microsoft.com/office/drawing/2014/main" id="{193723B0-6C5A-B4CB-D361-D1339B808D81}"/>
+              </a:ext>
+            </a:extLst>
+          </p:cNvPr>
+          <p:cNvSpPr>
+            <a:spLocks noGrp="1"/>
+          </p:cNvSpPr>
+          <p:nvPr>
+            <p:ph type="title"/>
+          </p:nvPr>
+        </p:nvSpPr>
+        <p:spPr/>
+        <p:txBody>
+          <a:bodyPr/>
+          <a:lstStyle/>
+          <a:p>
+            <a:r>
+              <a:rPr lang="en-US" altLang="ko-KR" dirty="0"/>
+              <a:t>Truncated </a:t>
+            </a:r>
+            <a:r>
+              <a:rPr lang="en-US" altLang="ko-KR" dirty="0" err="1"/>
+              <a:t>bptt</a:t>
+            </a:r>
+            <a:endParaRPr lang="ko-KR" altLang="en-US" dirty="0"/>
+          </a:p>
+        </p:txBody>
+      </p:sp>
+      <p:sp>
+        <p:nvSpPr>
+          <p:cNvPr id="3" name="내용 개체 틀 2">
+            <a:extLst>
+              <a:ext uri="{FF2B5EF4-FFF2-40B4-BE49-F238E27FC236}">
+                <a16:creationId xmlns:a16="http://schemas.microsoft.com/office/drawing/2014/main" id="{1327BEE2-E964-03EA-53D1-78AAD80C929D}"/>
+              </a:ext>
+            </a:extLst>
+          </p:cNvPr>
+          <p:cNvSpPr>
+            <a:spLocks noGrp="1"/>
+          </p:cNvSpPr>
+          <p:nvPr>
+            <p:ph idx="1"/>
+          </p:nvPr>
+        </p:nvSpPr>
+        <p:spPr>
+          <a:xfrm>
+            <a:off x="7809721" y="2011680"/>
+            <a:ext cx="3177277" cy="4206240"/>
+          </a:xfrm>
+        </p:spPr>
+        <p:txBody>
+          <a:bodyPr/>
+          <a:lstStyle/>
+          <a:p>
+            <a:endParaRPr lang="ko-KR" altLang="en-US" dirty="0"/>
+          </a:p>
+        </p:txBody>
+      </p:sp>
+      <p:sp>
+        <p:nvSpPr>
+          <p:cNvPr id="4" name="슬라이드 번호 개체 틀 3">
+            <a:extLst>
+              <a:ext uri="{FF2B5EF4-FFF2-40B4-BE49-F238E27FC236}">
+                <a16:creationId xmlns:a16="http://schemas.microsoft.com/office/drawing/2014/main" id="{7001320F-2219-3D41-D21D-E51DF35E6ACC}"/>
+              </a:ext>
+            </a:extLst>
+          </p:cNvPr>
+          <p:cNvSpPr>
+            <a:spLocks noGrp="1"/>
+          </p:cNvSpPr>
+          <p:nvPr>
+            <p:ph type="sldNum" sz="quarter" idx="12"/>
+          </p:nvPr>
+        </p:nvSpPr>
+        <p:spPr/>
+        <p:txBody>
+          <a:bodyPr/>
+          <a:lstStyle/>
+          <a:p>
+            <a:fld id="{EBFA42FA-6F20-4D20-ACFC-4B4B58A69DFE}" type="slidenum">
+              <a:rPr lang="ko-KR" altLang="en-US" smtClean="0"/>
+              <a:t>29</a:t>
+            </a:fld>
+            <a:endParaRPr lang="ko-KR" altLang="en-US"/>
+          </a:p>
+        </p:txBody>
+      </p:sp>
+      <p:pic>
+        <p:nvPicPr>
+          <p:cNvPr id="6" name="그림 5">
+            <a:extLst>
+              <a:ext uri="{FF2B5EF4-FFF2-40B4-BE49-F238E27FC236}">
+                <a16:creationId xmlns:a16="http://schemas.microsoft.com/office/drawing/2014/main" id="{94548D5B-FBCF-B15B-3BBB-78A75D4907B1}"/>
+              </a:ext>
+            </a:extLst>
+          </p:cNvPr>
+          <p:cNvPicPr>
+            <a:picLocks noChangeAspect="1"/>
+          </p:cNvPicPr>
+          <p:nvPr/>
+        </p:nvPicPr>
+        <p:blipFill>
+          <a:blip r:embed="rId2"/>
+          <a:stretch>
+            <a:fillRect/>
+          </a:stretch>
+        </p:blipFill>
+        <p:spPr>
+          <a:xfrm>
+            <a:off x="504824" y="2822219"/>
+            <a:ext cx="10749727" cy="2561544"/>
+          </a:xfrm>
+          <a:prstGeom prst="rect">
+            <a:avLst/>
+          </a:prstGeom>
+        </p:spPr>
+      </p:pic>
+    </p:spTree>
+    <p:extLst>
+      <p:ext uri="{BB962C8B-B14F-4D97-AF65-F5344CB8AC3E}">
+        <p14:creationId xmlns:p14="http://schemas.microsoft.com/office/powerpoint/2010/main" val="1090543557"/>
       </p:ext>
     </p:extLst>
   </p:cSld>
